--- a/Other_Files/Presentations/Final-Project.pptx
+++ b/Other_Files/Presentations/Final-Project.pptx
@@ -4,16 +4,20 @@
   <p:sldMasterIdLst>
     <p:sldMasterId id="2147484148" r:id="rId1"/>
   </p:sldMasterIdLst>
+  <p:notesMasterIdLst>
+    <p:notesMasterId r:id="rId12"/>
+  </p:notesMasterIdLst>
   <p:sldIdLst>
     <p:sldId id="256" r:id="rId2"/>
     <p:sldId id="257" r:id="rId3"/>
     <p:sldId id="258" r:id="rId4"/>
     <p:sldId id="259" r:id="rId5"/>
-    <p:sldId id="260" r:id="rId6"/>
-    <p:sldId id="261" r:id="rId7"/>
-    <p:sldId id="262" r:id="rId8"/>
-    <p:sldId id="263" r:id="rId9"/>
-    <p:sldId id="264" r:id="rId10"/>
+    <p:sldId id="265" r:id="rId6"/>
+    <p:sldId id="260" r:id="rId7"/>
+    <p:sldId id="261" r:id="rId8"/>
+    <p:sldId id="262" r:id="rId9"/>
+    <p:sldId id="263" r:id="rId10"/>
+    <p:sldId id="264" r:id="rId11"/>
   </p:sldIdLst>
   <p:sldSz cx="12192000" cy="6858000"/>
   <p:notesSz cx="6858000" cy="9144000"/>
@@ -112,7 +116,24 @@
       </a:defRPr>
     </a:lvl9pPr>
   </p:defaultTextStyle>
+  <p:extLst>
+    <p:ext uri="{EFAFB233-063F-42B5-8137-9DF3F51BA10A}">
+      <p15:sldGuideLst xmlns:p15="http://schemas.microsoft.com/office/powerpoint/2012/main"/>
+    </p:ext>
+  </p:extLst>
 </p:presentation>
+</file>
+
+<file path=ppt/commentAuthors.xml><?xml version="1.0" encoding="utf-8"?>
+<p:cmAuthorLst xmlns:a="http://schemas.openxmlformats.org/drawingml/2006/main" xmlns:r="http://schemas.openxmlformats.org/officeDocument/2006/relationships" xmlns:p="http://schemas.openxmlformats.org/presentationml/2006/main">
+  <p:cmAuthor id="1" name="Je Min  Son" initials="JMS" lastIdx="0" clrIdx="0">
+    <p:extLst>
+      <p:ext uri="{19B8F6BF-5375-455C-9EA6-DF929625EA0E}">
+        <p15:presenceInfo xmlns:p15="http://schemas.microsoft.com/office/powerpoint/2012/main" userId="" providerId=""/>
+      </p:ext>
+    </p:extLst>
+  </p:cmAuthor>
+</p:cmAuthorLst>
 </file>
 
 <file path=ppt/diagrams/colors1.xml><?xml version="1.0" encoding="utf-8"?>
@@ -2144,15 +2165,23 @@
         </dgm:presLayoutVars>
       </dgm:prSet>
       <dgm:spPr/>
+      <dgm:t>
+        <a:bodyPr/>
+        <a:lstStyle/>
+        <a:p>
+          <a:pPr latinLnBrk="1"/>
+          <a:endParaRPr lang="ko-KR" altLang="en-US"/>
+        </a:p>
+      </dgm:t>
     </dgm:pt>
   </dgm:ptLst>
   <dgm:cxnLst>
+    <dgm:cxn modelId="{44C26793-AAC2-FB42-A7B0-8525AC6D5B92}" type="presOf" srcId="{42BA0367-90C1-E740-A6B0-5A590BF9636C}" destId="{27547E6B-CE73-EE4F-94E9-6F98ABC837C1}" srcOrd="0" destOrd="0" presId="urn:microsoft.com/office/officeart/2005/8/layout/hProcess9"/>
+    <dgm:cxn modelId="{B3830265-7E23-1E44-8623-5DF1B3365FAE}" srcId="{518162FB-8069-944A-9288-88BCAD417C5E}" destId="{66882507-2621-2442-9F06-1449B8A7BA19}" srcOrd="2" destOrd="0" parTransId="{9BC2DF36-6F87-9D4F-ABEF-A4F80C7D82C0}" sibTransId="{3AF139ED-F2AB-964D-BDED-D87EE0930ABD}"/>
+    <dgm:cxn modelId="{7E9630D2-2FEC-234A-8EF8-3F0C9964AB3C}" type="presOf" srcId="{5EB579FA-749C-C14B-9BD3-FE46B05BB188}" destId="{D46BB8BE-51C0-914C-A0DC-3FB79B4D0E84}" srcOrd="0" destOrd="0" presId="urn:microsoft.com/office/officeart/2005/8/layout/hProcess9"/>
+    <dgm:cxn modelId="{55054A8C-7FB2-BC4A-BBF3-7E0AD1F19EB9}" srcId="{518162FB-8069-944A-9288-88BCAD417C5E}" destId="{42BA0367-90C1-E740-A6B0-5A590BF9636C}" srcOrd="1" destOrd="0" parTransId="{1D78E2CF-686B-4F40-8604-9E3139F1DD3A}" sibTransId="{FC977653-8A72-2A40-94CD-02E752B8917C}"/>
+    <dgm:cxn modelId="{3A9D3CEB-81F8-004A-A24E-819D2429ED2E}" type="presOf" srcId="{66882507-2621-2442-9F06-1449B8A7BA19}" destId="{D1D887B0-B3C1-854F-B2AB-55812DE107E5}" srcOrd="0" destOrd="0" presId="urn:microsoft.com/office/officeart/2005/8/layout/hProcess9"/>
     <dgm:cxn modelId="{00BDC0D2-CFC1-6549-BFDD-734B111D977E}" srcId="{518162FB-8069-944A-9288-88BCAD417C5E}" destId="{5EB579FA-749C-C14B-9BD3-FE46B05BB188}" srcOrd="0" destOrd="0" parTransId="{EB95983D-B504-5347-A4F0-C4D1966E7C81}" sibTransId="{023BCD31-F9F5-9D41-AB17-B173E2EF75EA}"/>
-    <dgm:cxn modelId="{44C26793-AAC2-FB42-A7B0-8525AC6D5B92}" type="presOf" srcId="{42BA0367-90C1-E740-A6B0-5A590BF9636C}" destId="{27547E6B-CE73-EE4F-94E9-6F98ABC837C1}" srcOrd="0" destOrd="0" presId="urn:microsoft.com/office/officeart/2005/8/layout/hProcess9"/>
-    <dgm:cxn modelId="{7E9630D2-2FEC-234A-8EF8-3F0C9964AB3C}" type="presOf" srcId="{5EB579FA-749C-C14B-9BD3-FE46B05BB188}" destId="{D46BB8BE-51C0-914C-A0DC-3FB79B4D0E84}" srcOrd="0" destOrd="0" presId="urn:microsoft.com/office/officeart/2005/8/layout/hProcess9"/>
-    <dgm:cxn modelId="{B3830265-7E23-1E44-8623-5DF1B3365FAE}" srcId="{518162FB-8069-944A-9288-88BCAD417C5E}" destId="{66882507-2621-2442-9F06-1449B8A7BA19}" srcOrd="2" destOrd="0" parTransId="{9BC2DF36-6F87-9D4F-ABEF-A4F80C7D82C0}" sibTransId="{3AF139ED-F2AB-964D-BDED-D87EE0930ABD}"/>
-    <dgm:cxn modelId="{3A9D3CEB-81F8-004A-A24E-819D2429ED2E}" type="presOf" srcId="{66882507-2621-2442-9F06-1449B8A7BA19}" destId="{D1D887B0-B3C1-854F-B2AB-55812DE107E5}" srcOrd="0" destOrd="0" presId="urn:microsoft.com/office/officeart/2005/8/layout/hProcess9"/>
-    <dgm:cxn modelId="{55054A8C-7FB2-BC4A-BBF3-7E0AD1F19EB9}" srcId="{518162FB-8069-944A-9288-88BCAD417C5E}" destId="{42BA0367-90C1-E740-A6B0-5A590BF9636C}" srcOrd="1" destOrd="0" parTransId="{1D78E2CF-686B-4F40-8604-9E3139F1DD3A}" sibTransId="{FC977653-8A72-2A40-94CD-02E752B8917C}"/>
     <dgm:cxn modelId="{16784199-56C6-9F4E-B369-AC387E1CA1D3}" type="presOf" srcId="{518162FB-8069-944A-9288-88BCAD417C5E}" destId="{5AD50066-5D30-A545-A77E-30F004429F67}" srcOrd="0" destOrd="0" presId="urn:microsoft.com/office/officeart/2005/8/layout/hProcess9"/>
     <dgm:cxn modelId="{AC1BA448-AD0A-A848-8C87-5FDB038C480F}" type="presParOf" srcId="{5AD50066-5D30-A545-A77E-30F004429F67}" destId="{C8CFCDEE-2EC2-A345-B963-6EFDFBBCA048}" srcOrd="0" destOrd="0" presId="urn:microsoft.com/office/officeart/2005/8/layout/hProcess9"/>
     <dgm:cxn modelId="{E643CC38-F7DA-D84E-BE43-6E1DD9BEDAFF}" type="presParOf" srcId="{5AD50066-5D30-A545-A77E-30F004429F67}" destId="{D98D290C-B509-514E-AC6B-C110DE034732}" srcOrd="1" destOrd="0" presId="urn:microsoft.com/office/officeart/2005/8/layout/hProcess9"/>
@@ -2166,7 +2195,7 @@
   <dgm:whole/>
   <dgm:extLst>
     <a:ext uri="http://schemas.microsoft.com/office/drawing/2008/diagram">
-      <dsp:dataModelExt xmlns:dsp="http://schemas.microsoft.com/office/drawing/2008/diagram" relId="rId6" minVer="http://schemas.openxmlformats.org/drawingml/2006/diagram"/>
+      <dsp:dataModelExt xmlns:dsp="http://schemas.microsoft.com/office/drawing/2008/diagram" relId="rId7" minVer="http://schemas.openxmlformats.org/drawingml/2006/diagram"/>
     </a:ext>
   </dgm:extLst>
 </dgm:dataModel>
@@ -2193,6 +2222,13 @@
       <dgm:t>
         <a:bodyPr/>
         <a:lstStyle/>
+        <a:p>
+          <a:pPr latinLnBrk="1"/>
+          <a:r>
+            <a:rPr lang="en-US" altLang="ko-KR" dirty="0" smtClean="0"/>
+            <a:t>Positive</a:t>
+          </a:r>
+        </a:p>
         <a:p>
           <a:pPr latinLnBrk="1"/>
           <a:r>
@@ -2236,6 +2272,13 @@
         <a:p>
           <a:pPr latinLnBrk="1"/>
           <a:r>
+            <a:rPr lang="en-US" altLang="ko-KR" smtClean="0"/>
+            <a:t>Negative</a:t>
+          </a:r>
+        </a:p>
+        <a:p>
+          <a:pPr latinLnBrk="1"/>
+          <a:r>
             <a:rPr lang="en-US" altLang="ko-KR" dirty="0" smtClean="0"/>
             <a:t>Image</a:t>
           </a:r>
@@ -2267,46 +2310,6 @@
         </a:p>
       </dgm:t>
     </dgm:pt>
-    <dgm:pt modelId="{22137DB0-0A92-0549-AF30-4D9345732CA4}">
-      <dgm:prSet phldrT="[텍스트]"/>
-      <dgm:spPr/>
-      <dgm:t>
-        <a:bodyPr/>
-        <a:lstStyle/>
-        <a:p>
-          <a:pPr latinLnBrk="1"/>
-          <a:r>
-            <a:rPr lang="en-US" altLang="ko-KR" dirty="0" smtClean="0"/>
-            <a:t>Image</a:t>
-          </a:r>
-          <a:endParaRPr lang="ko-KR" altLang="en-US" dirty="0"/>
-        </a:p>
-      </dgm:t>
-    </dgm:pt>
-    <dgm:pt modelId="{EB7F7476-4090-1943-B2B5-46052F880A55}" type="parTrans" cxnId="{F1ABE540-CCDD-314B-908D-1F091C1CC791}">
-      <dgm:prSet/>
-      <dgm:spPr/>
-      <dgm:t>
-        <a:bodyPr/>
-        <a:lstStyle/>
-        <a:p>
-          <a:pPr latinLnBrk="1"/>
-          <a:endParaRPr lang="ko-KR" altLang="en-US"/>
-        </a:p>
-      </dgm:t>
-    </dgm:pt>
-    <dgm:pt modelId="{6660D479-AEAF-CE4E-A3F6-0F319A9A4630}" type="sibTrans" cxnId="{F1ABE540-CCDD-314B-908D-1F091C1CC791}">
-      <dgm:prSet/>
-      <dgm:spPr/>
-      <dgm:t>
-        <a:bodyPr/>
-        <a:lstStyle/>
-        <a:p>
-          <a:pPr latinLnBrk="1"/>
-          <a:endParaRPr lang="ko-KR" altLang="en-US"/>
-        </a:p>
-      </dgm:t>
-    </dgm:pt>
     <dgm:pt modelId="{9E66F529-00EE-9E44-8604-5D189D24CEE2}">
       <dgm:prSet phldrT="[텍스트]"/>
       <dgm:spPr/>
@@ -2315,10 +2318,6 @@
         <a:lstStyle/>
         <a:p>
           <a:pPr latinLnBrk="1"/>
-          <a:r>
-            <a:rPr lang="en-US" altLang="ko-KR" dirty="0" smtClean="0"/>
-            <a:t>Video</a:t>
-          </a:r>
           <a:endParaRPr lang="ko-KR" altLang="en-US" dirty="0"/>
         </a:p>
       </dgm:t>
@@ -2347,6 +2346,46 @@
         </a:p>
       </dgm:t>
     </dgm:pt>
+    <dgm:pt modelId="{E642DD6B-61A5-EC4C-BB62-CCBE8AD6C7F3}">
+      <dgm:prSet phldrT="[텍스트]"/>
+      <dgm:spPr/>
+      <dgm:t>
+        <a:bodyPr/>
+        <a:lstStyle/>
+        <a:p>
+          <a:pPr latinLnBrk="1"/>
+          <a:r>
+            <a:rPr lang="en-US" altLang="ko-KR" dirty="0" smtClean="0"/>
+            <a:t>Video</a:t>
+          </a:r>
+          <a:endParaRPr lang="ko-KR" altLang="en-US" dirty="0"/>
+        </a:p>
+      </dgm:t>
+    </dgm:pt>
+    <dgm:pt modelId="{45C11542-F5C1-604F-AEA9-817A2CD89185}" type="parTrans" cxnId="{B0DBC984-FCAE-4F4E-8EFA-D31C789C3167}">
+      <dgm:prSet/>
+      <dgm:spPr/>
+      <dgm:t>
+        <a:bodyPr/>
+        <a:lstStyle/>
+        <a:p>
+          <a:pPr latinLnBrk="1"/>
+          <a:endParaRPr lang="ko-KR" altLang="en-US"/>
+        </a:p>
+      </dgm:t>
+    </dgm:pt>
+    <dgm:pt modelId="{8114923E-F2BE-574A-9B97-470E036D9B48}" type="sibTrans" cxnId="{B0DBC984-FCAE-4F4E-8EFA-D31C789C3167}">
+      <dgm:prSet/>
+      <dgm:spPr/>
+      <dgm:t>
+        <a:bodyPr/>
+        <a:lstStyle/>
+        <a:p>
+          <a:pPr latinLnBrk="1"/>
+          <a:endParaRPr lang="ko-KR" altLang="en-US"/>
+        </a:p>
+      </dgm:t>
+    </dgm:pt>
     <dgm:pt modelId="{84280594-EAE6-EF43-9A32-9BE34318C3FB}" type="pres">
       <dgm:prSet presAssocID="{8F8C0046-A4A0-394F-B36A-391AD91481A5}" presName="Name0" presStyleCnt="0">
         <dgm:presLayoutVars>
@@ -2355,13 +2394,21 @@
         </dgm:presLayoutVars>
       </dgm:prSet>
       <dgm:spPr/>
+      <dgm:t>
+        <a:bodyPr/>
+        <a:lstStyle/>
+        <a:p>
+          <a:pPr latinLnBrk="1"/>
+          <a:endParaRPr lang="ko-KR" altLang="en-US"/>
+        </a:p>
+      </dgm:t>
     </dgm:pt>
     <dgm:pt modelId="{FB867EC6-8AC1-B445-8D3B-7E6A1D2274C0}" type="pres">
-      <dgm:prSet presAssocID="{8F8C0046-A4A0-394F-B36A-391AD91481A5}" presName="ellipse" presStyleLbl="trBgShp" presStyleIdx="0" presStyleCnt="1"/>
+      <dgm:prSet presAssocID="{8F8C0046-A4A0-394F-B36A-391AD91481A5}" presName="ellipse" presStyleLbl="trBgShp" presStyleIdx="0" presStyleCnt="1" custLinFactNeighborX="-1483"/>
       <dgm:spPr/>
     </dgm:pt>
     <dgm:pt modelId="{EFB948BA-30B7-0E44-8485-9DD12ABCFBCB}" type="pres">
-      <dgm:prSet presAssocID="{8F8C0046-A4A0-394F-B36A-391AD91481A5}" presName="arrow1" presStyleLbl="fgShp" presStyleIdx="0" presStyleCnt="1"/>
+      <dgm:prSet presAssocID="{8F8C0046-A4A0-394F-B36A-391AD91481A5}" presName="arrow1" presStyleLbl="fgShp" presStyleIdx="0" presStyleCnt="1" custScaleX="163518" custScaleY="163518" custLinFactNeighborX="17859" custLinFactNeighborY="15946"/>
       <dgm:spPr/>
     </dgm:pt>
     <dgm:pt modelId="{00D4E3DF-E426-C24D-9FF3-8EF8DB2CD3F7}" type="pres">
@@ -2387,51 +2434,75 @@
         </dgm:presLayoutVars>
       </dgm:prSet>
       <dgm:spPr/>
+      <dgm:t>
+        <a:bodyPr/>
+        <a:lstStyle/>
+        <a:p>
+          <a:pPr latinLnBrk="1"/>
+          <a:endParaRPr lang="ko-KR" altLang="en-US"/>
+        </a:p>
+      </dgm:t>
     </dgm:pt>
-    <dgm:pt modelId="{06523287-5B46-CA4D-B9E1-1B8D87E44E18}" type="pres">
-      <dgm:prSet presAssocID="{22137DB0-0A92-0549-AF30-4D9345732CA4}" presName="item2" presStyleLbl="node1" presStyleIdx="1" presStyleCnt="3">
+    <dgm:pt modelId="{7B1A188A-1244-C14C-96BA-38CA5C809F14}" type="pres">
+      <dgm:prSet presAssocID="{E642DD6B-61A5-EC4C-BB62-CCBE8AD6C7F3}" presName="item2" presStyleLbl="node1" presStyleIdx="1" presStyleCnt="3" custScaleX="102514" custScaleY="102514" custLinFactNeighborX="4253" custLinFactNeighborY="-15587">
         <dgm:presLayoutVars>
           <dgm:bulletEnabled val="1"/>
         </dgm:presLayoutVars>
       </dgm:prSet>
       <dgm:spPr/>
+      <dgm:t>
+        <a:bodyPr/>
+        <a:lstStyle/>
+        <a:p>
+          <a:pPr latinLnBrk="1"/>
+          <a:endParaRPr lang="ko-KR" altLang="en-US"/>
+        </a:p>
+      </dgm:t>
     </dgm:pt>
     <dgm:pt modelId="{95FEBE40-C8FE-C34D-9AA4-C416E36C10C7}" type="pres">
-      <dgm:prSet presAssocID="{9E66F529-00EE-9E44-8604-5D189D24CEE2}" presName="item3" presStyleLbl="node1" presStyleIdx="2" presStyleCnt="3">
+      <dgm:prSet presAssocID="{9E66F529-00EE-9E44-8604-5D189D24CEE2}" presName="item3" presStyleLbl="node1" presStyleIdx="2" presStyleCnt="3" custScaleX="107321" custScaleY="107321" custLinFactNeighborX="25511" custLinFactNeighborY="-4251">
         <dgm:presLayoutVars>
           <dgm:bulletEnabled val="1"/>
         </dgm:presLayoutVars>
       </dgm:prSet>
       <dgm:spPr/>
+      <dgm:t>
+        <a:bodyPr/>
+        <a:lstStyle/>
+        <a:p>
+          <a:pPr latinLnBrk="1"/>
+          <a:endParaRPr lang="ko-KR" altLang="en-US"/>
+        </a:p>
+      </dgm:t>
     </dgm:pt>
     <dgm:pt modelId="{D5B7DD54-4728-FA42-8285-47A30F9DBD10}" type="pres">
-      <dgm:prSet presAssocID="{8F8C0046-A4A0-394F-B36A-391AD91481A5}" presName="funnel" presStyleLbl="trAlignAcc1" presStyleIdx="0" presStyleCnt="1"/>
+      <dgm:prSet presAssocID="{8F8C0046-A4A0-394F-B36A-391AD91481A5}" presName="funnel" presStyleLbl="trAlignAcc1" presStyleIdx="0" presStyleCnt="1" custLinFactNeighborX="2278" custLinFactNeighborY="-1"/>
       <dgm:spPr/>
     </dgm:pt>
   </dgm:ptLst>
   <dgm:cxnLst>
     <dgm:cxn modelId="{DC15CD85-9AC2-1740-9170-FCCE5077E913}" srcId="{8F8C0046-A4A0-394F-B36A-391AD91481A5}" destId="{19B9D6DD-6471-8343-BE0D-546D0673D104}" srcOrd="0" destOrd="0" parTransId="{9DD013C9-21A1-C94E-B7A2-E0F6F1F845F5}" sibTransId="{CA1EA68B-2B3E-4145-B916-609F30113947}"/>
+    <dgm:cxn modelId="{2304B1AB-EA9D-224A-8980-3D9B9CE62E65}" type="presOf" srcId="{8F8C0046-A4A0-394F-B36A-391AD91481A5}" destId="{84280594-EAE6-EF43-9A32-9BE34318C3FB}" srcOrd="0" destOrd="0" presId="urn:microsoft.com/office/officeart/2005/8/layout/funnel1"/>
     <dgm:cxn modelId="{A4F45714-1081-1F47-BC21-27DE598E683E}" type="presOf" srcId="{9E66F529-00EE-9E44-8604-5D189D24CEE2}" destId="{00D4E3DF-E426-C24D-9FF3-8EF8DB2CD3F7}" srcOrd="0" destOrd="0" presId="urn:microsoft.com/office/officeart/2005/8/layout/funnel1"/>
-    <dgm:cxn modelId="{929FAC7A-B2E8-C647-97CC-F328D1E96DEE}" type="presOf" srcId="{22137DB0-0A92-0549-AF30-4D9345732CA4}" destId="{9B1BEF8C-9EF9-F34D-B464-E970EE226101}" srcOrd="0" destOrd="0" presId="urn:microsoft.com/office/officeart/2005/8/layout/funnel1"/>
-    <dgm:cxn modelId="{F1ABE540-CCDD-314B-908D-1F091C1CC791}" srcId="{8F8C0046-A4A0-394F-B36A-391AD91481A5}" destId="{22137DB0-0A92-0549-AF30-4D9345732CA4}" srcOrd="2" destOrd="0" parTransId="{EB7F7476-4090-1943-B2B5-46052F880A55}" sibTransId="{6660D479-AEAF-CE4E-A3F6-0F319A9A4630}"/>
-    <dgm:cxn modelId="{AFE6BD73-6255-1A4C-90F6-76A78A8AFCBA}" type="presOf" srcId="{19B9D6DD-6471-8343-BE0D-546D0673D104}" destId="{95FEBE40-C8FE-C34D-9AA4-C416E36C10C7}" srcOrd="0" destOrd="0" presId="urn:microsoft.com/office/officeart/2005/8/layout/funnel1"/>
+    <dgm:cxn modelId="{B0DBC984-FCAE-4F4E-8EFA-D31C789C3167}" srcId="{8F8C0046-A4A0-394F-B36A-391AD91481A5}" destId="{E642DD6B-61A5-EC4C-BB62-CCBE8AD6C7F3}" srcOrd="2" destOrd="0" parTransId="{45C11542-F5C1-604F-AEA9-817A2CD89185}" sibTransId="{8114923E-F2BE-574A-9B97-470E036D9B48}"/>
     <dgm:cxn modelId="{80A1D8FA-53C9-444F-8514-585F3E7A7459}" srcId="{8F8C0046-A4A0-394F-B36A-391AD91481A5}" destId="{9EE8C36A-4F7E-9040-80FB-1EC75D37057E}" srcOrd="1" destOrd="0" parTransId="{DE530FB4-DA9E-154A-8620-0BD8E3517280}" sibTransId="{1B842FFC-166A-FF47-9163-8FA7FA874F36}"/>
+    <dgm:cxn modelId="{BF0C2878-5A7E-8D4E-BC67-F3ED818513D5}" type="presOf" srcId="{E642DD6B-61A5-EC4C-BB62-CCBE8AD6C7F3}" destId="{9B1BEF8C-9EF9-F34D-B464-E970EE226101}" srcOrd="0" destOrd="0" presId="urn:microsoft.com/office/officeart/2005/8/layout/funnel1"/>
+    <dgm:cxn modelId="{7BDDADD0-0494-2240-8A7D-3C21BDB3F4D9}" type="presOf" srcId="{19B9D6DD-6471-8343-BE0D-546D0673D104}" destId="{95FEBE40-C8FE-C34D-9AA4-C416E36C10C7}" srcOrd="0" destOrd="0" presId="urn:microsoft.com/office/officeart/2005/8/layout/funnel1"/>
     <dgm:cxn modelId="{4B67BDF7-D975-534D-8D68-B264BEDF265C}" srcId="{8F8C0046-A4A0-394F-B36A-391AD91481A5}" destId="{9E66F529-00EE-9E44-8604-5D189D24CEE2}" srcOrd="3" destOrd="0" parTransId="{1C89943D-4D70-D648-B801-826301E5131F}" sibTransId="{0E23320C-9291-D046-B8B0-05BEAD229E3E}"/>
-    <dgm:cxn modelId="{5AAED406-C3CF-474D-95A8-927439F0D101}" type="presOf" srcId="{9EE8C36A-4F7E-9040-80FB-1EC75D37057E}" destId="{06523287-5B46-CA4D-B9E1-1B8D87E44E18}" srcOrd="0" destOrd="0" presId="urn:microsoft.com/office/officeart/2005/8/layout/funnel1"/>
-    <dgm:cxn modelId="{2304B1AB-EA9D-224A-8980-3D9B9CE62E65}" type="presOf" srcId="{8F8C0046-A4A0-394F-B36A-391AD91481A5}" destId="{84280594-EAE6-EF43-9A32-9BE34318C3FB}" srcOrd="0" destOrd="0" presId="urn:microsoft.com/office/officeart/2005/8/layout/funnel1"/>
+    <dgm:cxn modelId="{5C852DE7-130E-7F49-9E70-D182AABEF026}" type="presOf" srcId="{9EE8C36A-4F7E-9040-80FB-1EC75D37057E}" destId="{7B1A188A-1244-C14C-96BA-38CA5C809F14}" srcOrd="0" destOrd="0" presId="urn:microsoft.com/office/officeart/2005/8/layout/funnel1"/>
     <dgm:cxn modelId="{638CADB0-467A-6F42-8387-EA283D02A579}" type="presParOf" srcId="{84280594-EAE6-EF43-9A32-9BE34318C3FB}" destId="{FB867EC6-8AC1-B445-8D3B-7E6A1D2274C0}" srcOrd="0" destOrd="0" presId="urn:microsoft.com/office/officeart/2005/8/layout/funnel1"/>
     <dgm:cxn modelId="{1B3F361A-C03F-8C4E-92E5-D8642E5B12CC}" type="presParOf" srcId="{84280594-EAE6-EF43-9A32-9BE34318C3FB}" destId="{EFB948BA-30B7-0E44-8485-9DD12ABCFBCB}" srcOrd="1" destOrd="0" presId="urn:microsoft.com/office/officeart/2005/8/layout/funnel1"/>
     <dgm:cxn modelId="{334D5DE1-4EAC-1F40-8FF2-6CFB852E27B9}" type="presParOf" srcId="{84280594-EAE6-EF43-9A32-9BE34318C3FB}" destId="{00D4E3DF-E426-C24D-9FF3-8EF8DB2CD3F7}" srcOrd="2" destOrd="0" presId="urn:microsoft.com/office/officeart/2005/8/layout/funnel1"/>
     <dgm:cxn modelId="{9D4B078E-DEF4-8244-B1CA-B74E996F307C}" type="presParOf" srcId="{84280594-EAE6-EF43-9A32-9BE34318C3FB}" destId="{9B1BEF8C-9EF9-F34D-B464-E970EE226101}" srcOrd="3" destOrd="0" presId="urn:microsoft.com/office/officeart/2005/8/layout/funnel1"/>
-    <dgm:cxn modelId="{93DE3177-173C-024B-8602-3CC8BDA5DA99}" type="presParOf" srcId="{84280594-EAE6-EF43-9A32-9BE34318C3FB}" destId="{06523287-5B46-CA4D-B9E1-1B8D87E44E18}" srcOrd="4" destOrd="0" presId="urn:microsoft.com/office/officeart/2005/8/layout/funnel1"/>
-    <dgm:cxn modelId="{F685A84B-94A0-3548-A963-BCFB54B4F105}" type="presParOf" srcId="{84280594-EAE6-EF43-9A32-9BE34318C3FB}" destId="{95FEBE40-C8FE-C34D-9AA4-C416E36C10C7}" srcOrd="5" destOrd="0" presId="urn:microsoft.com/office/officeart/2005/8/layout/funnel1"/>
+    <dgm:cxn modelId="{F55F38A2-2CAA-5045-8C08-6B284B38BEBB}" type="presParOf" srcId="{84280594-EAE6-EF43-9A32-9BE34318C3FB}" destId="{7B1A188A-1244-C14C-96BA-38CA5C809F14}" srcOrd="4" destOrd="0" presId="urn:microsoft.com/office/officeart/2005/8/layout/funnel1"/>
+    <dgm:cxn modelId="{9487D54E-44EF-6448-9CF0-9E689DE92190}" type="presParOf" srcId="{84280594-EAE6-EF43-9A32-9BE34318C3FB}" destId="{95FEBE40-C8FE-C34D-9AA4-C416E36C10C7}" srcOrd="5" destOrd="0" presId="urn:microsoft.com/office/officeart/2005/8/layout/funnel1"/>
     <dgm:cxn modelId="{CB4FD11C-C2BC-E74C-B6DB-2FD122BA852F}" type="presParOf" srcId="{84280594-EAE6-EF43-9A32-9BE34318C3FB}" destId="{D5B7DD54-4728-FA42-8285-47A30F9DBD10}" srcOrd="6" destOrd="0" presId="urn:microsoft.com/office/officeart/2005/8/layout/funnel1"/>
   </dgm:cxnLst>
   <dgm:bg/>
   <dgm:whole/>
   <dgm:extLst>
     <a:ext uri="http://schemas.microsoft.com/office/drawing/2008/diagram">
-      <dsp:dataModelExt xmlns:dsp="http://schemas.microsoft.com/office/drawing/2008/diagram" relId="rId6" minVer="http://schemas.openxmlformats.org/drawingml/2006/diagram"/>
+      <dsp:dataModelExt xmlns:dsp="http://schemas.microsoft.com/office/drawing/2008/diagram" relId="rId7" minVer="http://schemas.openxmlformats.org/drawingml/2006/diagram"/>
     </a:ext>
   </dgm:extLst>
 </dgm:dataModel>
@@ -2804,8 +2875,8 @@
       </dsp:nvSpPr>
       <dsp:spPr>
         <a:xfrm>
-          <a:off x="3782868" y="163487"/>
-          <a:ext cx="3244602" cy="1126807"/>
+          <a:off x="1863260" y="181664"/>
+          <a:ext cx="3605337" cy="1252086"/>
         </a:xfrm>
         <a:prstGeom prst="ellipse">
           <a:avLst/>
@@ -2845,8 +2916,8 @@
       </dsp:nvSpPr>
       <dsp:spPr>
         <a:xfrm>
-          <a:off x="5095800" y="2922657"/>
-          <a:ext cx="628798" cy="402431"/>
+          <a:off x="3278511" y="3176886"/>
+          <a:ext cx="1142514" cy="731209"/>
         </a:xfrm>
         <a:prstGeom prst="downArrow">
           <a:avLst/>
@@ -2914,8 +2985,8 @@
       </dsp:nvSpPr>
       <dsp:spPr>
         <a:xfrm>
-          <a:off x="3901082" y="3244602"/>
-          <a:ext cx="3018234" cy="754558"/>
+          <a:off x="2048085" y="3605337"/>
+          <a:ext cx="3353802" cy="838450"/>
         </a:xfrm>
         <a:prstGeom prst="rect">
           <a:avLst/>
@@ -2939,12 +3010,12 @@
         <a:fontRef idx="minor"/>
       </dsp:style>
       <dsp:txBody>
-        <a:bodyPr spcFirstLastPara="0" vert="horz" wrap="square" lIns="192024" tIns="192024" rIns="192024" bIns="192024" numCol="1" spcCol="1270" anchor="ctr" anchorCtr="0">
+        <a:bodyPr spcFirstLastPara="0" vert="horz" wrap="square" lIns="213360" tIns="213360" rIns="213360" bIns="213360" numCol="1" spcCol="1270" anchor="ctr" anchorCtr="0">
           <a:noAutofit/>
         </a:bodyPr>
         <a:lstStyle/>
         <a:p>
-          <a:pPr lvl="0" algn="ctr" defTabSz="1200150" latinLnBrk="1">
+          <a:pPr lvl="0" algn="ctr" defTabSz="1333500" latinLnBrk="1">
             <a:lnSpc>
               <a:spcPct val="90000"/>
             </a:lnSpc>
@@ -2955,16 +3026,12 @@
               <a:spcPct val="35000"/>
             </a:spcAft>
           </a:pPr>
-          <a:r>
-            <a:rPr lang="en-US" altLang="ko-KR" sz="2700" kern="1200" dirty="0" smtClean="0"/>
-            <a:t>Video</a:t>
-          </a:r>
-          <a:endParaRPr lang="ko-KR" altLang="en-US" sz="2700" kern="1200" dirty="0"/>
+          <a:endParaRPr lang="ko-KR" altLang="en-US" sz="3000" kern="1200" dirty="0"/>
         </a:p>
       </dsp:txBody>
       <dsp:txXfrm>
-        <a:off x="3901082" y="3244602"/>
-        <a:ext cx="3018234" cy="754558"/>
+        <a:off x="2048085" y="3605337"/>
+        <a:ext cx="3353802" cy="838450"/>
       </dsp:txXfrm>
     </dsp:sp>
     <dsp:sp modelId="{9B1BEF8C-9EF9-F34D-B464-E970EE226101}">
@@ -2974,8 +3041,8 @@
       </dsp:nvSpPr>
       <dsp:spPr>
         <a:xfrm>
-          <a:off x="4962495" y="1377321"/>
-          <a:ext cx="1131838" cy="1131838"/>
+          <a:off x="3227505" y="1530451"/>
+          <a:ext cx="1257675" cy="1257675"/>
         </a:xfrm>
         <a:prstGeom prst="ellipse">
           <a:avLst/>
@@ -3036,12 +3103,12 @@
         </a:fontRef>
       </dsp:style>
       <dsp:txBody>
-        <a:bodyPr spcFirstLastPara="0" vert="horz" wrap="square" lIns="26670" tIns="26670" rIns="26670" bIns="26670" numCol="1" spcCol="1270" anchor="ctr" anchorCtr="0">
+        <a:bodyPr spcFirstLastPara="0" vert="horz" wrap="square" lIns="21590" tIns="21590" rIns="21590" bIns="21590" numCol="1" spcCol="1270" anchor="ctr" anchorCtr="0">
           <a:noAutofit/>
         </a:bodyPr>
         <a:lstStyle/>
         <a:p>
-          <a:pPr lvl="0" algn="ctr" defTabSz="933450" latinLnBrk="1">
+          <a:pPr lvl="0" algn="ctr" defTabSz="755650" latinLnBrk="1">
             <a:lnSpc>
               <a:spcPct val="90000"/>
             </a:lnSpc>
@@ -3053,26 +3120,26 @@
             </a:spcAft>
           </a:pPr>
           <a:r>
-            <a:rPr lang="en-US" altLang="ko-KR" sz="2100" kern="1200" dirty="0" smtClean="0"/>
-            <a:t>Image</a:t>
+            <a:rPr lang="en-US" altLang="ko-KR" sz="1700" kern="1200" dirty="0" smtClean="0"/>
+            <a:t>Video</a:t>
           </a:r>
-          <a:endParaRPr lang="ko-KR" altLang="en-US" sz="2100" kern="1200" dirty="0"/>
+          <a:endParaRPr lang="ko-KR" altLang="en-US" sz="1700" kern="1200" dirty="0"/>
         </a:p>
       </dsp:txBody>
       <dsp:txXfrm>
-        <a:off x="5128249" y="1543075"/>
-        <a:ext cx="800330" cy="800330"/>
+        <a:off x="3411687" y="1714633"/>
+        <a:ext cx="889311" cy="889311"/>
       </dsp:txXfrm>
     </dsp:sp>
-    <dsp:sp modelId="{06523287-5B46-CA4D-B9E1-1B8D87E44E18}">
+    <dsp:sp modelId="{7B1A188A-1244-C14C-96BA-38CA5C809F14}">
       <dsp:nvSpPr>
         <dsp:cNvPr id="0" name=""/>
         <dsp:cNvSpPr/>
       </dsp:nvSpPr>
       <dsp:spPr>
         <a:xfrm>
-          <a:off x="4152602" y="528191"/>
-          <a:ext cx="1131838" cy="1131838"/>
+          <a:off x="2365248" y="375072"/>
+          <a:ext cx="1289293" cy="1289293"/>
         </a:xfrm>
         <a:prstGeom prst="ellipse">
           <a:avLst/>
@@ -3133,12 +3200,12 @@
         </a:fontRef>
       </dsp:style>
       <dsp:txBody>
-        <a:bodyPr spcFirstLastPara="0" vert="horz" wrap="square" lIns="26670" tIns="26670" rIns="26670" bIns="26670" numCol="1" spcCol="1270" anchor="ctr" anchorCtr="0">
+        <a:bodyPr spcFirstLastPara="0" vert="horz" wrap="square" lIns="21590" tIns="21590" rIns="21590" bIns="21590" numCol="1" spcCol="1270" anchor="ctr" anchorCtr="0">
           <a:noAutofit/>
         </a:bodyPr>
         <a:lstStyle/>
         <a:p>
-          <a:pPr lvl="0" algn="ctr" defTabSz="933450" latinLnBrk="1">
+          <a:pPr lvl="0" algn="ctr" defTabSz="755650" latinLnBrk="1">
             <a:lnSpc>
               <a:spcPct val="90000"/>
             </a:lnSpc>
@@ -3150,15 +3217,32 @@
             </a:spcAft>
           </a:pPr>
           <a:r>
-            <a:rPr lang="en-US" altLang="ko-KR" sz="2100" kern="1200" dirty="0" smtClean="0"/>
+            <a:rPr lang="en-US" altLang="ko-KR" sz="1700" kern="1200" smtClean="0"/>
+            <a:t>Negative</a:t>
+          </a:r>
+        </a:p>
+        <a:p>
+          <a:pPr lvl="0" algn="ctr" defTabSz="755650" latinLnBrk="1">
+            <a:lnSpc>
+              <a:spcPct val="90000"/>
+            </a:lnSpc>
+            <a:spcBef>
+              <a:spcPct val="0"/>
+            </a:spcBef>
+            <a:spcAft>
+              <a:spcPct val="35000"/>
+            </a:spcAft>
+          </a:pPr>
+          <a:r>
+            <a:rPr lang="en-US" altLang="ko-KR" sz="1700" kern="1200" dirty="0" smtClean="0"/>
             <a:t>Image</a:t>
           </a:r>
-          <a:endParaRPr lang="ko-KR" altLang="en-US" sz="2100" kern="1200" dirty="0"/>
+          <a:endParaRPr lang="ko-KR" altLang="en-US" sz="1700" kern="1200" dirty="0"/>
         </a:p>
       </dsp:txBody>
       <dsp:txXfrm>
-        <a:off x="4318356" y="693945"/>
-        <a:ext cx="800330" cy="800330"/>
+        <a:off x="2554061" y="563885"/>
+        <a:ext cx="911667" cy="911667"/>
       </dsp:txXfrm>
     </dsp:sp>
     <dsp:sp modelId="{95FEBE40-C8FE-C34D-9AA4-C416E36C10C7}">
@@ -3168,8 +3252,8 @@
       </dsp:nvSpPr>
       <dsp:spPr>
         <a:xfrm>
-          <a:off x="5309592" y="254537"/>
-          <a:ext cx="1131838" cy="1131838"/>
+          <a:off x="3888001" y="183336"/>
+          <a:ext cx="1349750" cy="1349750"/>
         </a:xfrm>
         <a:prstGeom prst="ellipse">
           <a:avLst/>
@@ -3230,12 +3314,12 @@
         </a:fontRef>
       </dsp:style>
       <dsp:txBody>
-        <a:bodyPr spcFirstLastPara="0" vert="horz" wrap="square" lIns="26670" tIns="26670" rIns="26670" bIns="26670" numCol="1" spcCol="1270" anchor="ctr" anchorCtr="0">
+        <a:bodyPr spcFirstLastPara="0" vert="horz" wrap="square" lIns="21590" tIns="21590" rIns="21590" bIns="21590" numCol="1" spcCol="1270" anchor="ctr" anchorCtr="0">
           <a:noAutofit/>
         </a:bodyPr>
         <a:lstStyle/>
         <a:p>
-          <a:pPr lvl="0" algn="ctr" defTabSz="933450" latinLnBrk="1">
+          <a:pPr lvl="0" algn="ctr" defTabSz="755650" latinLnBrk="1">
             <a:lnSpc>
               <a:spcPct val="90000"/>
             </a:lnSpc>
@@ -3247,15 +3331,32 @@
             </a:spcAft>
           </a:pPr>
           <a:r>
-            <a:rPr lang="en-US" altLang="ko-KR" sz="2100" kern="1200" dirty="0" smtClean="0"/>
+            <a:rPr lang="en-US" altLang="ko-KR" sz="1700" kern="1200" dirty="0" smtClean="0"/>
+            <a:t>Positive</a:t>
+          </a:r>
+        </a:p>
+        <a:p>
+          <a:pPr lvl="0" algn="ctr" defTabSz="755650" latinLnBrk="1">
+            <a:lnSpc>
+              <a:spcPct val="90000"/>
+            </a:lnSpc>
+            <a:spcBef>
+              <a:spcPct val="0"/>
+            </a:spcBef>
+            <a:spcAft>
+              <a:spcPct val="35000"/>
+            </a:spcAft>
+          </a:pPr>
+          <a:r>
+            <a:rPr lang="en-US" altLang="ko-KR" sz="1700" kern="1200" dirty="0" smtClean="0"/>
             <a:t>Image</a:t>
           </a:r>
-          <a:endParaRPr lang="ko-KR" altLang="en-US" sz="2100" kern="1200" dirty="0"/>
+          <a:endParaRPr lang="ko-KR" altLang="en-US" sz="1700" kern="1200" dirty="0"/>
         </a:p>
       </dsp:txBody>
       <dsp:txXfrm>
-        <a:off x="5475346" y="420291"/>
-        <a:ext cx="800330" cy="800330"/>
+        <a:off x="4085667" y="381002"/>
+        <a:ext cx="954418" cy="954418"/>
       </dsp:txXfrm>
     </dsp:sp>
     <dsp:sp modelId="{D5B7DD54-4728-FA42-8285-47A30F9DBD10}">
@@ -3265,8 +3366,8 @@
       </dsp:nvSpPr>
       <dsp:spPr>
         <a:xfrm>
-          <a:off x="3649563" y="25151"/>
-          <a:ext cx="3521273" cy="2817019"/>
+          <a:off x="1857734" y="27917"/>
+          <a:ext cx="3912769" cy="3130215"/>
         </a:xfrm>
         <a:prstGeom prst="funnel">
           <a:avLst/>
@@ -5850,6 +5951,765 @@
 </dgm:styleDef>
 </file>
 
+<file path=ppt/notesMasters/notesMaster1.xml><?xml version="1.0" encoding="utf-8"?>
+<p:notesMaster xmlns:a="http://schemas.openxmlformats.org/drawingml/2006/main" xmlns:r="http://schemas.openxmlformats.org/officeDocument/2006/relationships" xmlns:p="http://schemas.openxmlformats.org/presentationml/2006/main">
+  <p:cSld>
+    <p:bg>
+      <p:bgRef idx="1001">
+        <a:schemeClr val="bg1"/>
+      </p:bgRef>
+    </p:bg>
+    <p:spTree>
+      <p:nvGrpSpPr>
+        <p:cNvPr id="1" name=""/>
+        <p:cNvGrpSpPr/>
+        <p:nvPr/>
+      </p:nvGrpSpPr>
+      <p:grpSpPr>
+        <a:xfrm>
+          <a:off x="0" y="0"/>
+          <a:ext cx="0" cy="0"/>
+          <a:chOff x="0" y="0"/>
+          <a:chExt cx="0" cy="0"/>
+        </a:xfrm>
+      </p:grpSpPr>
+      <p:sp>
+        <p:nvSpPr>
+          <p:cNvPr id="2" name="머리글 개체 틀 1"/>
+          <p:cNvSpPr>
+            <a:spLocks noGrp="1"/>
+          </p:cNvSpPr>
+          <p:nvPr>
+            <p:ph type="hdr" sz="quarter"/>
+          </p:nvPr>
+        </p:nvSpPr>
+        <p:spPr>
+          <a:xfrm>
+            <a:off x="0" y="0"/>
+            <a:ext cx="2971800" cy="458788"/>
+          </a:xfrm>
+          <a:prstGeom prst="rect">
+            <a:avLst/>
+          </a:prstGeom>
+        </p:spPr>
+        <p:txBody>
+          <a:bodyPr vert="horz" lIns="91440" tIns="45720" rIns="91440" bIns="45720" rtlCol="0"/>
+          <a:lstStyle>
+            <a:lvl1pPr algn="l">
+              <a:defRPr sz="1200"/>
+            </a:lvl1pPr>
+          </a:lstStyle>
+          <a:p>
+            <a:endParaRPr kumimoji="1" lang="ko-KR" altLang="en-US"/>
+          </a:p>
+        </p:txBody>
+      </p:sp>
+      <p:sp>
+        <p:nvSpPr>
+          <p:cNvPr id="3" name="날짜 개체 틀 2"/>
+          <p:cNvSpPr>
+            <a:spLocks noGrp="1"/>
+          </p:cNvSpPr>
+          <p:nvPr>
+            <p:ph type="dt" idx="1"/>
+          </p:nvPr>
+        </p:nvSpPr>
+        <p:spPr>
+          <a:xfrm>
+            <a:off x="3884613" y="0"/>
+            <a:ext cx="2971800" cy="458788"/>
+          </a:xfrm>
+          <a:prstGeom prst="rect">
+            <a:avLst/>
+          </a:prstGeom>
+        </p:spPr>
+        <p:txBody>
+          <a:bodyPr vert="horz" lIns="91440" tIns="45720" rIns="91440" bIns="45720" rtlCol="0"/>
+          <a:lstStyle>
+            <a:lvl1pPr algn="r">
+              <a:defRPr sz="1200"/>
+            </a:lvl1pPr>
+          </a:lstStyle>
+          <a:p>
+            <a:fld id="{0B56C36F-582F-0D43-ADBC-88DA13ACA653}" type="datetimeFigureOut">
+              <a:rPr kumimoji="1" lang="ko-KR" altLang="en-US" smtClean="0"/>
+              <a:t>2018. 3. 14.</a:t>
+            </a:fld>
+            <a:endParaRPr kumimoji="1" lang="ko-KR" altLang="en-US"/>
+          </a:p>
+        </p:txBody>
+      </p:sp>
+      <p:sp>
+        <p:nvSpPr>
+          <p:cNvPr id="4" name="슬라이드 이미지 개체 틀 3"/>
+          <p:cNvSpPr>
+            <a:spLocks noGrp="1" noRot="1" noChangeAspect="1"/>
+          </p:cNvSpPr>
+          <p:nvPr>
+            <p:ph type="sldImg" idx="2"/>
+          </p:nvPr>
+        </p:nvSpPr>
+        <p:spPr>
+          <a:xfrm>
+            <a:off x="685800" y="1143000"/>
+            <a:ext cx="5486400" cy="3086100"/>
+          </a:xfrm>
+          <a:prstGeom prst="rect">
+            <a:avLst/>
+          </a:prstGeom>
+          <a:noFill/>
+          <a:ln w="12700">
+            <a:solidFill>
+              <a:prstClr val="black"/>
+            </a:solidFill>
+          </a:ln>
+        </p:spPr>
+        <p:txBody>
+          <a:bodyPr vert="horz" lIns="91440" tIns="45720" rIns="91440" bIns="45720" rtlCol="0" anchor="ctr"/>
+          <a:lstStyle/>
+          <a:p>
+            <a:endParaRPr lang="ko-KR" altLang="en-US"/>
+          </a:p>
+        </p:txBody>
+      </p:sp>
+      <p:sp>
+        <p:nvSpPr>
+          <p:cNvPr id="5" name="슬라이드 노트 개체 틀 4"/>
+          <p:cNvSpPr>
+            <a:spLocks noGrp="1"/>
+          </p:cNvSpPr>
+          <p:nvPr>
+            <p:ph type="body" sz="quarter" idx="3"/>
+          </p:nvPr>
+        </p:nvSpPr>
+        <p:spPr>
+          <a:xfrm>
+            <a:off x="685800" y="4400550"/>
+            <a:ext cx="5486400" cy="3600450"/>
+          </a:xfrm>
+          <a:prstGeom prst="rect">
+            <a:avLst/>
+          </a:prstGeom>
+        </p:spPr>
+        <p:txBody>
+          <a:bodyPr vert="horz" lIns="91440" tIns="45720" rIns="91440" bIns="45720" rtlCol="0"/>
+          <a:lstStyle/>
+          <a:p>
+            <a:pPr lvl="0"/>
+            <a:r>
+              <a:rPr kumimoji="1" lang="ko-KR" altLang="en-US" smtClean="0"/>
+              <a:t>마스터 텍스트 스타일을 편집하려면 클릭</a:t>
+            </a:r>
+          </a:p>
+          <a:p>
+            <a:pPr lvl="1"/>
+            <a:r>
+              <a:rPr kumimoji="1" lang="ko-KR" altLang="en-US" smtClean="0"/>
+              <a:t>두 번째 수준</a:t>
+            </a:r>
+          </a:p>
+          <a:p>
+            <a:pPr lvl="2"/>
+            <a:r>
+              <a:rPr kumimoji="1" lang="ko-KR" altLang="en-US" smtClean="0"/>
+              <a:t>세 번째 수준</a:t>
+            </a:r>
+          </a:p>
+          <a:p>
+            <a:pPr lvl="3"/>
+            <a:r>
+              <a:rPr kumimoji="1" lang="ko-KR" altLang="en-US" smtClean="0"/>
+              <a:t>네 번째 수준</a:t>
+            </a:r>
+          </a:p>
+          <a:p>
+            <a:pPr lvl="4"/>
+            <a:r>
+              <a:rPr kumimoji="1" lang="ko-KR" altLang="en-US" smtClean="0"/>
+              <a:t>다섯 번째 수준</a:t>
+            </a:r>
+            <a:endParaRPr kumimoji="1" lang="ko-KR" altLang="en-US"/>
+          </a:p>
+        </p:txBody>
+      </p:sp>
+      <p:sp>
+        <p:nvSpPr>
+          <p:cNvPr id="6" name="바닥글 개체 틀 5"/>
+          <p:cNvSpPr>
+            <a:spLocks noGrp="1"/>
+          </p:cNvSpPr>
+          <p:nvPr>
+            <p:ph type="ftr" sz="quarter" idx="4"/>
+          </p:nvPr>
+        </p:nvSpPr>
+        <p:spPr>
+          <a:xfrm>
+            <a:off x="0" y="8685213"/>
+            <a:ext cx="2971800" cy="458787"/>
+          </a:xfrm>
+          <a:prstGeom prst="rect">
+            <a:avLst/>
+          </a:prstGeom>
+        </p:spPr>
+        <p:txBody>
+          <a:bodyPr vert="horz" lIns="91440" tIns="45720" rIns="91440" bIns="45720" rtlCol="0" anchor="b"/>
+          <a:lstStyle>
+            <a:lvl1pPr algn="l">
+              <a:defRPr sz="1200"/>
+            </a:lvl1pPr>
+          </a:lstStyle>
+          <a:p>
+            <a:endParaRPr kumimoji="1" lang="ko-KR" altLang="en-US"/>
+          </a:p>
+        </p:txBody>
+      </p:sp>
+      <p:sp>
+        <p:nvSpPr>
+          <p:cNvPr id="7" name="슬라이드 번호 개체 틀 6"/>
+          <p:cNvSpPr>
+            <a:spLocks noGrp="1"/>
+          </p:cNvSpPr>
+          <p:nvPr>
+            <p:ph type="sldNum" sz="quarter" idx="5"/>
+          </p:nvPr>
+        </p:nvSpPr>
+        <p:spPr>
+          <a:xfrm>
+            <a:off x="3884613" y="8685213"/>
+            <a:ext cx="2971800" cy="458787"/>
+          </a:xfrm>
+          <a:prstGeom prst="rect">
+            <a:avLst/>
+          </a:prstGeom>
+        </p:spPr>
+        <p:txBody>
+          <a:bodyPr vert="horz" lIns="91440" tIns="45720" rIns="91440" bIns="45720" rtlCol="0" anchor="b"/>
+          <a:lstStyle>
+            <a:lvl1pPr algn="r">
+              <a:defRPr sz="1200"/>
+            </a:lvl1pPr>
+          </a:lstStyle>
+          <a:p>
+            <a:fld id="{A70C26AD-80FC-CF4E-BA1F-B4B22B2D5712}" type="slidenum">
+              <a:rPr kumimoji="1" lang="ko-KR" altLang="en-US" smtClean="0"/>
+              <a:t>‹#›</a:t>
+            </a:fld>
+            <a:endParaRPr kumimoji="1" lang="ko-KR" altLang="en-US"/>
+          </a:p>
+        </p:txBody>
+      </p:sp>
+    </p:spTree>
+    <p:extLst>
+      <p:ext uri="{BB962C8B-B14F-4D97-AF65-F5344CB8AC3E}">
+        <p14:creationId xmlns:p14="http://schemas.microsoft.com/office/powerpoint/2010/main" val="1751701230"/>
+      </p:ext>
+    </p:extLst>
+  </p:cSld>
+  <p:clrMap bg1="lt1" tx1="dk1" bg2="lt2" tx2="dk2" accent1="accent1" accent2="accent2" accent3="accent3" accent4="accent4" accent5="accent5" accent6="accent6" hlink="hlink" folHlink="folHlink"/>
+  <p:notesStyle>
+    <a:lvl1pPr marL="0" algn="l" defTabSz="914400" rtl="0" eaLnBrk="1" latinLnBrk="1" hangingPunct="1">
+      <a:defRPr sz="1200" kern="1200">
+        <a:solidFill>
+          <a:schemeClr val="tx1"/>
+        </a:solidFill>
+        <a:latin typeface="+mn-lt"/>
+        <a:ea typeface="+mn-ea"/>
+        <a:cs typeface="+mn-cs"/>
+      </a:defRPr>
+    </a:lvl1pPr>
+    <a:lvl2pPr marL="457200" algn="l" defTabSz="914400" rtl="0" eaLnBrk="1" latinLnBrk="1" hangingPunct="1">
+      <a:defRPr sz="1200" kern="1200">
+        <a:solidFill>
+          <a:schemeClr val="tx1"/>
+        </a:solidFill>
+        <a:latin typeface="+mn-lt"/>
+        <a:ea typeface="+mn-ea"/>
+        <a:cs typeface="+mn-cs"/>
+      </a:defRPr>
+    </a:lvl2pPr>
+    <a:lvl3pPr marL="914400" algn="l" defTabSz="914400" rtl="0" eaLnBrk="1" latinLnBrk="1" hangingPunct="1">
+      <a:defRPr sz="1200" kern="1200">
+        <a:solidFill>
+          <a:schemeClr val="tx1"/>
+        </a:solidFill>
+        <a:latin typeface="+mn-lt"/>
+        <a:ea typeface="+mn-ea"/>
+        <a:cs typeface="+mn-cs"/>
+      </a:defRPr>
+    </a:lvl3pPr>
+    <a:lvl4pPr marL="1371600" algn="l" defTabSz="914400" rtl="0" eaLnBrk="1" latinLnBrk="1" hangingPunct="1">
+      <a:defRPr sz="1200" kern="1200">
+        <a:solidFill>
+          <a:schemeClr val="tx1"/>
+        </a:solidFill>
+        <a:latin typeface="+mn-lt"/>
+        <a:ea typeface="+mn-ea"/>
+        <a:cs typeface="+mn-cs"/>
+      </a:defRPr>
+    </a:lvl4pPr>
+    <a:lvl5pPr marL="1828800" algn="l" defTabSz="914400" rtl="0" eaLnBrk="1" latinLnBrk="1" hangingPunct="1">
+      <a:defRPr sz="1200" kern="1200">
+        <a:solidFill>
+          <a:schemeClr val="tx1"/>
+        </a:solidFill>
+        <a:latin typeface="+mn-lt"/>
+        <a:ea typeface="+mn-ea"/>
+        <a:cs typeface="+mn-cs"/>
+      </a:defRPr>
+    </a:lvl5pPr>
+    <a:lvl6pPr marL="2286000" algn="l" defTabSz="914400" rtl="0" eaLnBrk="1" latinLnBrk="1" hangingPunct="1">
+      <a:defRPr sz="1200" kern="1200">
+        <a:solidFill>
+          <a:schemeClr val="tx1"/>
+        </a:solidFill>
+        <a:latin typeface="+mn-lt"/>
+        <a:ea typeface="+mn-ea"/>
+        <a:cs typeface="+mn-cs"/>
+      </a:defRPr>
+    </a:lvl6pPr>
+    <a:lvl7pPr marL="2743200" algn="l" defTabSz="914400" rtl="0" eaLnBrk="1" latinLnBrk="1" hangingPunct="1">
+      <a:defRPr sz="1200" kern="1200">
+        <a:solidFill>
+          <a:schemeClr val="tx1"/>
+        </a:solidFill>
+        <a:latin typeface="+mn-lt"/>
+        <a:ea typeface="+mn-ea"/>
+        <a:cs typeface="+mn-cs"/>
+      </a:defRPr>
+    </a:lvl7pPr>
+    <a:lvl8pPr marL="3200400" algn="l" defTabSz="914400" rtl="0" eaLnBrk="1" latinLnBrk="1" hangingPunct="1">
+      <a:defRPr sz="1200" kern="1200">
+        <a:solidFill>
+          <a:schemeClr val="tx1"/>
+        </a:solidFill>
+        <a:latin typeface="+mn-lt"/>
+        <a:ea typeface="+mn-ea"/>
+        <a:cs typeface="+mn-cs"/>
+      </a:defRPr>
+    </a:lvl8pPr>
+    <a:lvl9pPr marL="3657600" algn="l" defTabSz="914400" rtl="0" eaLnBrk="1" latinLnBrk="1" hangingPunct="1">
+      <a:defRPr sz="1200" kern="1200">
+        <a:solidFill>
+          <a:schemeClr val="tx1"/>
+        </a:solidFill>
+        <a:latin typeface="+mn-lt"/>
+        <a:ea typeface="+mn-ea"/>
+        <a:cs typeface="+mn-cs"/>
+      </a:defRPr>
+    </a:lvl9pPr>
+  </p:notesStyle>
+</p:notesMaster>
+</file>
+
+<file path=ppt/notesSlides/notesSlide1.xml><?xml version="1.0" encoding="utf-8"?>
+<p:notes xmlns:a="http://schemas.openxmlformats.org/drawingml/2006/main" xmlns:r="http://schemas.openxmlformats.org/officeDocument/2006/relationships" xmlns:p="http://schemas.openxmlformats.org/presentationml/2006/main">
+  <p:cSld>
+    <p:spTree>
+      <p:nvGrpSpPr>
+        <p:cNvPr id="1" name=""/>
+        <p:cNvGrpSpPr/>
+        <p:nvPr/>
+      </p:nvGrpSpPr>
+      <p:grpSpPr>
+        <a:xfrm>
+          <a:off x="0" y="0"/>
+          <a:ext cx="0" cy="0"/>
+          <a:chOff x="0" y="0"/>
+          <a:chExt cx="0" cy="0"/>
+        </a:xfrm>
+      </p:grpSpPr>
+      <p:sp>
+        <p:nvSpPr>
+          <p:cNvPr id="2" name="슬라이드 이미지 개체 틀 1"/>
+          <p:cNvSpPr>
+            <a:spLocks noGrp="1" noRot="1" noChangeAspect="1"/>
+          </p:cNvSpPr>
+          <p:nvPr>
+            <p:ph type="sldImg"/>
+          </p:nvPr>
+        </p:nvSpPr>
+        <p:spPr/>
+      </p:sp>
+      <p:sp>
+        <p:nvSpPr>
+          <p:cNvPr id="3" name="슬라이드 노트 개체 틀 2"/>
+          <p:cNvSpPr>
+            <a:spLocks noGrp="1"/>
+          </p:cNvSpPr>
+          <p:nvPr>
+            <p:ph type="body" idx="1"/>
+          </p:nvPr>
+        </p:nvSpPr>
+        <p:spPr/>
+        <p:txBody>
+          <a:bodyPr/>
+          <a:lstStyle/>
+          <a:p>
+            <a:r>
+              <a:rPr kumimoji="1" lang="en-US" altLang="ko-KR" dirty="0" smtClean="0"/>
+              <a:t>Introduction</a:t>
+            </a:r>
+            <a:r>
+              <a:rPr kumimoji="1" lang="en-US" altLang="ko-KR" baseline="0" dirty="0" smtClean="0"/>
+              <a:t> </a:t>
+            </a:r>
+          </a:p>
+          <a:p>
+            <a:endParaRPr kumimoji="1" lang="en-US" altLang="ko-KR" baseline="0" dirty="0" smtClean="0"/>
+          </a:p>
+          <a:p>
+            <a:r>
+              <a:rPr kumimoji="1" lang="en-US" altLang="ko-KR" baseline="0" dirty="0" smtClean="0"/>
+              <a:t>1. Team name </a:t>
+            </a:r>
+          </a:p>
+          <a:p>
+            <a:r>
+              <a:rPr kumimoji="1" lang="en-US" altLang="ko-KR" baseline="0" dirty="0" smtClean="0"/>
+              <a:t>2. members name </a:t>
+            </a:r>
+          </a:p>
+          <a:p>
+            <a:r>
+              <a:rPr kumimoji="1" lang="en-US" altLang="ko-KR" baseline="0" dirty="0" smtClean="0"/>
+              <a:t>3. Our purpose </a:t>
+            </a:r>
+          </a:p>
+        </p:txBody>
+      </p:sp>
+      <p:sp>
+        <p:nvSpPr>
+          <p:cNvPr id="4" name="슬라이드 번호 개체 틀 3"/>
+          <p:cNvSpPr>
+            <a:spLocks noGrp="1"/>
+          </p:cNvSpPr>
+          <p:nvPr>
+            <p:ph type="sldNum" sz="quarter" idx="10"/>
+          </p:nvPr>
+        </p:nvSpPr>
+        <p:spPr/>
+        <p:txBody>
+          <a:bodyPr/>
+          <a:lstStyle/>
+          <a:p>
+            <a:fld id="{A70C26AD-80FC-CF4E-BA1F-B4B22B2D5712}" type="slidenum">
+              <a:rPr kumimoji="1" lang="ko-KR" altLang="en-US" smtClean="0"/>
+              <a:t>1</a:t>
+            </a:fld>
+            <a:endParaRPr kumimoji="1" lang="ko-KR" altLang="en-US"/>
+          </a:p>
+        </p:txBody>
+      </p:sp>
+    </p:spTree>
+    <p:extLst>
+      <p:ext uri="{BB962C8B-B14F-4D97-AF65-F5344CB8AC3E}">
+        <p14:creationId xmlns:p14="http://schemas.microsoft.com/office/powerpoint/2010/main" val="989255887"/>
+      </p:ext>
+    </p:extLst>
+  </p:cSld>
+  <p:clrMapOvr>
+    <a:masterClrMapping/>
+  </p:clrMapOvr>
+</p:notes>
+</file>
+
+<file path=ppt/notesSlides/notesSlide2.xml><?xml version="1.0" encoding="utf-8"?>
+<p:notes xmlns:a="http://schemas.openxmlformats.org/drawingml/2006/main" xmlns:r="http://schemas.openxmlformats.org/officeDocument/2006/relationships" xmlns:p="http://schemas.openxmlformats.org/presentationml/2006/main">
+  <p:cSld>
+    <p:spTree>
+      <p:nvGrpSpPr>
+        <p:cNvPr id="1" name=""/>
+        <p:cNvGrpSpPr/>
+        <p:nvPr/>
+      </p:nvGrpSpPr>
+      <p:grpSpPr>
+        <a:xfrm>
+          <a:off x="0" y="0"/>
+          <a:ext cx="0" cy="0"/>
+          <a:chOff x="0" y="0"/>
+          <a:chExt cx="0" cy="0"/>
+        </a:xfrm>
+      </p:grpSpPr>
+      <p:sp>
+        <p:nvSpPr>
+          <p:cNvPr id="2" name="슬라이드 이미지 개체 틀 1"/>
+          <p:cNvSpPr>
+            <a:spLocks noGrp="1" noRot="1" noChangeAspect="1"/>
+          </p:cNvSpPr>
+          <p:nvPr>
+            <p:ph type="sldImg"/>
+          </p:nvPr>
+        </p:nvSpPr>
+        <p:spPr/>
+      </p:sp>
+      <p:sp>
+        <p:nvSpPr>
+          <p:cNvPr id="3" name="슬라이드 노트 개체 틀 2"/>
+          <p:cNvSpPr>
+            <a:spLocks noGrp="1"/>
+          </p:cNvSpPr>
+          <p:nvPr>
+            <p:ph type="body" idx="1"/>
+          </p:nvPr>
+        </p:nvSpPr>
+        <p:spPr/>
+        <p:txBody>
+          <a:bodyPr/>
+          <a:lstStyle/>
+          <a:p>
+            <a:r>
+              <a:rPr kumimoji="1" lang="en-US" altLang="ko-KR" dirty="0" smtClean="0"/>
+              <a:t>Our</a:t>
+            </a:r>
+            <a:r>
+              <a:rPr kumimoji="1" lang="en-US" altLang="ko-KR" baseline="0" dirty="0" smtClean="0"/>
+              <a:t> design of application is </a:t>
+            </a:r>
+          </a:p>
+        </p:txBody>
+      </p:sp>
+      <p:sp>
+        <p:nvSpPr>
+          <p:cNvPr id="4" name="슬라이드 번호 개체 틀 3"/>
+          <p:cNvSpPr>
+            <a:spLocks noGrp="1"/>
+          </p:cNvSpPr>
+          <p:nvPr>
+            <p:ph type="sldNum" sz="quarter" idx="10"/>
+          </p:nvPr>
+        </p:nvSpPr>
+        <p:spPr/>
+        <p:txBody>
+          <a:bodyPr/>
+          <a:lstStyle/>
+          <a:p>
+            <a:fld id="{A70C26AD-80FC-CF4E-BA1F-B4B22B2D5712}" type="slidenum">
+              <a:rPr kumimoji="1" lang="ko-KR" altLang="en-US" smtClean="0"/>
+              <a:t>2</a:t>
+            </a:fld>
+            <a:endParaRPr kumimoji="1" lang="ko-KR" altLang="en-US"/>
+          </a:p>
+        </p:txBody>
+      </p:sp>
+    </p:spTree>
+    <p:extLst>
+      <p:ext uri="{BB962C8B-B14F-4D97-AF65-F5344CB8AC3E}">
+        <p14:creationId xmlns:p14="http://schemas.microsoft.com/office/powerpoint/2010/main" val="2009992338"/>
+      </p:ext>
+    </p:extLst>
+  </p:cSld>
+  <p:clrMapOvr>
+    <a:masterClrMapping/>
+  </p:clrMapOvr>
+</p:notes>
+</file>
+
+<file path=ppt/notesSlides/notesSlide3.xml><?xml version="1.0" encoding="utf-8"?>
+<p:notes xmlns:a="http://schemas.openxmlformats.org/drawingml/2006/main" xmlns:r="http://schemas.openxmlformats.org/officeDocument/2006/relationships" xmlns:p="http://schemas.openxmlformats.org/presentationml/2006/main">
+  <p:cSld>
+    <p:spTree>
+      <p:nvGrpSpPr>
+        <p:cNvPr id="1" name=""/>
+        <p:cNvGrpSpPr/>
+        <p:nvPr/>
+      </p:nvGrpSpPr>
+      <p:grpSpPr>
+        <a:xfrm>
+          <a:off x="0" y="0"/>
+          <a:ext cx="0" cy="0"/>
+          <a:chOff x="0" y="0"/>
+          <a:chExt cx="0" cy="0"/>
+        </a:xfrm>
+      </p:grpSpPr>
+      <p:sp>
+        <p:nvSpPr>
+          <p:cNvPr id="2" name="슬라이드 이미지 개체 틀 1"/>
+          <p:cNvSpPr>
+            <a:spLocks noGrp="1" noRot="1" noChangeAspect="1"/>
+          </p:cNvSpPr>
+          <p:nvPr>
+            <p:ph type="sldImg"/>
+          </p:nvPr>
+        </p:nvSpPr>
+        <p:spPr/>
+      </p:sp>
+      <p:sp>
+        <p:nvSpPr>
+          <p:cNvPr id="3" name="슬라이드 노트 개체 틀 2"/>
+          <p:cNvSpPr>
+            <a:spLocks noGrp="1"/>
+          </p:cNvSpPr>
+          <p:nvPr>
+            <p:ph type="body" idx="1"/>
+          </p:nvPr>
+        </p:nvSpPr>
+        <p:spPr/>
+        <p:txBody>
+          <a:bodyPr/>
+          <a:lstStyle/>
+          <a:p>
+            <a:r>
+              <a:rPr kumimoji="1" lang="en-US" altLang="ko-KR" dirty="0" smtClean="0"/>
+              <a:t>User</a:t>
+            </a:r>
+            <a:r>
+              <a:rPr kumimoji="1" lang="en-US" altLang="ko-KR" baseline="0" dirty="0" smtClean="0"/>
+              <a:t> inputs two images; one positive &amp; one negative </a:t>
+            </a:r>
+          </a:p>
+          <a:p>
+            <a:endParaRPr kumimoji="1" lang="en-US" altLang="ko-KR" baseline="0" dirty="0" smtClean="0"/>
+          </a:p>
+          <a:p>
+            <a:r>
+              <a:rPr kumimoji="1" lang="en-US" altLang="ko-KR" baseline="0" dirty="0" smtClean="0"/>
+              <a:t>Then, use those provided images to set the model which detects the image inside each frame </a:t>
+            </a:r>
+          </a:p>
+          <a:p>
+            <a:endParaRPr kumimoji="1" lang="en-US" altLang="ko-KR" baseline="0" dirty="0" smtClean="0"/>
+          </a:p>
+          <a:p>
+            <a:endParaRPr kumimoji="1" lang="ko-KR" altLang="en-US" dirty="0"/>
+          </a:p>
+        </p:txBody>
+      </p:sp>
+      <p:sp>
+        <p:nvSpPr>
+          <p:cNvPr id="4" name="슬라이드 번호 개체 틀 3"/>
+          <p:cNvSpPr>
+            <a:spLocks noGrp="1"/>
+          </p:cNvSpPr>
+          <p:nvPr>
+            <p:ph type="sldNum" sz="quarter" idx="10"/>
+          </p:nvPr>
+        </p:nvSpPr>
+        <p:spPr/>
+        <p:txBody>
+          <a:bodyPr/>
+          <a:lstStyle/>
+          <a:p>
+            <a:fld id="{A70C26AD-80FC-CF4E-BA1F-B4B22B2D5712}" type="slidenum">
+              <a:rPr kumimoji="1" lang="ko-KR" altLang="en-US" smtClean="0"/>
+              <a:t>3</a:t>
+            </a:fld>
+            <a:endParaRPr kumimoji="1" lang="ko-KR" altLang="en-US"/>
+          </a:p>
+        </p:txBody>
+      </p:sp>
+    </p:spTree>
+    <p:extLst>
+      <p:ext uri="{BB962C8B-B14F-4D97-AF65-F5344CB8AC3E}">
+        <p14:creationId xmlns:p14="http://schemas.microsoft.com/office/powerpoint/2010/main" val="427276407"/>
+      </p:ext>
+    </p:extLst>
+  </p:cSld>
+  <p:clrMapOvr>
+    <a:masterClrMapping/>
+  </p:clrMapOvr>
+</p:notes>
+</file>
+
+<file path=ppt/notesSlides/notesSlide4.xml><?xml version="1.0" encoding="utf-8"?>
+<p:notes xmlns:a="http://schemas.openxmlformats.org/drawingml/2006/main" xmlns:r="http://schemas.openxmlformats.org/officeDocument/2006/relationships" xmlns:p="http://schemas.openxmlformats.org/presentationml/2006/main">
+  <p:cSld>
+    <p:spTree>
+      <p:nvGrpSpPr>
+        <p:cNvPr id="1" name=""/>
+        <p:cNvGrpSpPr/>
+        <p:nvPr/>
+      </p:nvGrpSpPr>
+      <p:grpSpPr>
+        <a:xfrm>
+          <a:off x="0" y="0"/>
+          <a:ext cx="0" cy="0"/>
+          <a:chOff x="0" y="0"/>
+          <a:chExt cx="0" cy="0"/>
+        </a:xfrm>
+      </p:grpSpPr>
+      <p:sp>
+        <p:nvSpPr>
+          <p:cNvPr id="2" name="슬라이드 이미지 개체 틀 1"/>
+          <p:cNvSpPr>
+            <a:spLocks noGrp="1" noRot="1" noChangeAspect="1"/>
+          </p:cNvSpPr>
+          <p:nvPr>
+            <p:ph type="sldImg"/>
+          </p:nvPr>
+        </p:nvSpPr>
+        <p:spPr/>
+      </p:sp>
+      <p:sp>
+        <p:nvSpPr>
+          <p:cNvPr id="3" name="슬라이드 노트 개체 틀 2"/>
+          <p:cNvSpPr>
+            <a:spLocks noGrp="1"/>
+          </p:cNvSpPr>
+          <p:nvPr>
+            <p:ph type="body" idx="1"/>
+          </p:nvPr>
+        </p:nvSpPr>
+        <p:spPr/>
+        <p:txBody>
+          <a:bodyPr/>
+          <a:lstStyle/>
+          <a:p>
+            <a:r>
+              <a:rPr kumimoji="1" lang="en-US" altLang="ko-KR" dirty="0" smtClean="0"/>
+              <a:t>Using</a:t>
+            </a:r>
+            <a:r>
+              <a:rPr kumimoji="1" lang="en-US" altLang="ko-KR" baseline="0" dirty="0" smtClean="0"/>
+              <a:t> </a:t>
+            </a:r>
+            <a:r>
+              <a:rPr kumimoji="1" lang="en-US" altLang="ko-KR" baseline="0" dirty="0" err="1" smtClean="0"/>
+              <a:t>OpenCV</a:t>
+            </a:r>
+            <a:r>
+              <a:rPr kumimoji="1" lang="en-US" altLang="ko-KR" baseline="0" dirty="0" smtClean="0"/>
+              <a:t> to detect images </a:t>
+            </a:r>
+            <a:endParaRPr kumimoji="1" lang="ko-KR" altLang="en-US" dirty="0"/>
+          </a:p>
+        </p:txBody>
+      </p:sp>
+      <p:sp>
+        <p:nvSpPr>
+          <p:cNvPr id="4" name="슬라이드 번호 개체 틀 3"/>
+          <p:cNvSpPr>
+            <a:spLocks noGrp="1"/>
+          </p:cNvSpPr>
+          <p:nvPr>
+            <p:ph type="sldNum" sz="quarter" idx="10"/>
+          </p:nvPr>
+        </p:nvSpPr>
+        <p:spPr/>
+        <p:txBody>
+          <a:bodyPr/>
+          <a:lstStyle/>
+          <a:p>
+            <a:fld id="{A70C26AD-80FC-CF4E-BA1F-B4B22B2D5712}" type="slidenum">
+              <a:rPr kumimoji="1" lang="ko-KR" altLang="en-US" smtClean="0"/>
+              <a:t>4</a:t>
+            </a:fld>
+            <a:endParaRPr kumimoji="1" lang="ko-KR" altLang="en-US"/>
+          </a:p>
+        </p:txBody>
+      </p:sp>
+    </p:spTree>
+    <p:extLst>
+      <p:ext uri="{BB962C8B-B14F-4D97-AF65-F5344CB8AC3E}">
+        <p14:creationId xmlns:p14="http://schemas.microsoft.com/office/powerpoint/2010/main" val="763530035"/>
+      </p:ext>
+    </p:extLst>
+  </p:cSld>
+  <p:clrMapOvr>
+    <a:masterClrMapping/>
+  </p:clrMapOvr>
+</p:notes>
+</file>
+
 <file path=ppt/slideLayouts/slideLayout1.xml><?xml version="1.0" encoding="utf-8"?>
 <p:sldLayout xmlns:a="http://schemas.openxmlformats.org/drawingml/2006/main" xmlns:r="http://schemas.openxmlformats.org/officeDocument/2006/relationships" xmlns:p="http://schemas.openxmlformats.org/presentationml/2006/main" type="title" preserve="1">
   <p:cSld name="제목 슬라이드">
@@ -11415,8 +12275,7 @@
           </a:xfrm>
           <a:effectLst>
             <a:outerShdw blurRad="50800" dist="50800" dir="3420000" algn="ctr" rotWithShape="0">
-              <a:schemeClr val="accent1">
-                <a:lumMod val="75000"/>
+              <a:schemeClr val="bg1">
                 <a:alpha val="83000"/>
               </a:schemeClr>
             </a:outerShdw>
@@ -11462,9 +12321,7 @@
           </a:xfrm>
           <a:effectLst>
             <a:outerShdw blurRad="50800" dist="50800" dir="2760000" algn="ctr" rotWithShape="0">
-              <a:schemeClr val="accent4">
-                <a:lumMod val="60000"/>
-                <a:lumOff val="40000"/>
+              <a:schemeClr val="bg1">
                 <a:alpha val="83000"/>
               </a:schemeClr>
             </a:outerShdw>
@@ -11552,6 +12409,88 @@
     <p:extLst>
       <p:ext uri="{BB962C8B-B14F-4D97-AF65-F5344CB8AC3E}">
         <p14:creationId xmlns:p14="http://schemas.microsoft.com/office/powerpoint/2010/main" val="1282392242"/>
+      </p:ext>
+    </p:extLst>
+  </p:cSld>
+  <p:clrMapOvr>
+    <a:masterClrMapping/>
+  </p:clrMapOvr>
+  <mc:AlternateContent xmlns:mc="http://schemas.openxmlformats.org/markup-compatibility/2006">
+    <mc:Choice xmlns:p14="http://schemas.microsoft.com/office/powerpoint/2010/main" Requires="p14">
+      <p:transition spd="slow" p14:dur="2000" advTm="1889"/>
+    </mc:Choice>
+    <mc:Fallback>
+      <p:transition spd="slow" advTm="1889"/>
+    </mc:Fallback>
+  </mc:AlternateContent>
+  <p:timing>
+    <p:tnLst>
+      <p:par>
+        <p:cTn id="1" dur="indefinite" restart="never" nodeType="tmRoot"/>
+      </p:par>
+    </p:tnLst>
+  </p:timing>
+</p:sld>
+</file>
+
+<file path=ppt/slides/slide10.xml><?xml version="1.0" encoding="utf-8"?>
+<p:sld xmlns:a="http://schemas.openxmlformats.org/drawingml/2006/main" xmlns:r="http://schemas.openxmlformats.org/officeDocument/2006/relationships" xmlns:p="http://schemas.openxmlformats.org/presentationml/2006/main">
+  <p:cSld>
+    <p:spTree>
+      <p:nvGrpSpPr>
+        <p:cNvPr id="1" name=""/>
+        <p:cNvGrpSpPr/>
+        <p:nvPr/>
+      </p:nvGrpSpPr>
+      <p:grpSpPr>
+        <a:xfrm>
+          <a:off x="0" y="0"/>
+          <a:ext cx="0" cy="0"/>
+          <a:chOff x="0" y="0"/>
+          <a:chExt cx="0" cy="0"/>
+        </a:xfrm>
+      </p:grpSpPr>
+      <p:sp>
+        <p:nvSpPr>
+          <p:cNvPr id="5" name="직사각형 4"/>
+          <p:cNvSpPr/>
+          <p:nvPr/>
+        </p:nvSpPr>
+        <p:spPr>
+          <a:xfrm>
+            <a:off x="2333291" y="1829782"/>
+            <a:ext cx="7242432" cy="2215991"/>
+          </a:xfrm>
+          <a:prstGeom prst="rect">
+            <a:avLst/>
+          </a:prstGeom>
+          <a:effectLst>
+            <a:outerShdw blurRad="50800" dist="50800" dir="4140000" algn="ctr" rotWithShape="0">
+              <a:schemeClr val="bg1"/>
+            </a:outerShdw>
+          </a:effectLst>
+        </p:spPr>
+        <p:txBody>
+          <a:bodyPr wrap="none">
+            <a:spAutoFit/>
+          </a:bodyPr>
+          <a:lstStyle/>
+          <a:p>
+            <a:r>
+              <a:rPr kumimoji="1" lang="en-US" altLang="ko-KR" sz="13800" dirty="0" smtClean="0">
+                <a:latin typeface="Abadi MT Condensed Extra Bold" charset="0"/>
+                <a:ea typeface="Abadi MT Condensed Extra Bold" charset="0"/>
+                <a:cs typeface="Abadi MT Condensed Extra Bold" charset="0"/>
+              </a:rPr>
+              <a:t>Thank You</a:t>
+            </a:r>
+          </a:p>
+        </p:txBody>
+      </p:sp>
+    </p:spTree>
+    <p:extLst>
+      <p:ext uri="{BB962C8B-B14F-4D97-AF65-F5344CB8AC3E}">
+        <p14:creationId xmlns:p14="http://schemas.microsoft.com/office/powerpoint/2010/main" val="2051724831"/>
       </p:ext>
     </p:extLst>
   </p:cSld>
@@ -11639,7 +12578,7 @@
         </p:xfrm>
         <a:graphic>
           <a:graphicData uri="http://schemas.openxmlformats.org/drawingml/2006/diagram">
-            <dgm:relIds xmlns:dgm="http://schemas.openxmlformats.org/drawingml/2006/diagram" xmlns:r="http://schemas.openxmlformats.org/officeDocument/2006/relationships" r:dm="rId2" r:lo="rId3" r:qs="rId4" r:cs="rId5"/>
+            <dgm:relIds xmlns:dgm="http://schemas.openxmlformats.org/drawingml/2006/diagram" xmlns:r="http://schemas.openxmlformats.org/officeDocument/2006/relationships" r:dm="rId3" r:lo="rId4" r:qs="rId5" r:cs="rId6"/>
           </a:graphicData>
         </a:graphic>
       </p:graphicFrame>
@@ -11723,18 +12662,18 @@
             <p:ph idx="1"/>
             <p:extLst>
               <p:ext uri="{D42A27DB-BD31-4B8C-83A1-F6EECF244321}">
-                <p14:modId xmlns:p14="http://schemas.microsoft.com/office/powerpoint/2010/main" val="1864546517"/>
+                <p14:modId xmlns:p14="http://schemas.microsoft.com/office/powerpoint/2010/main" val="1431541785"/>
               </p:ext>
             </p:extLst>
           </p:nvPr>
         </p:nvGraphicFramePr>
         <p:xfrm>
-          <a:off x="685800" y="2193925"/>
-          <a:ext cx="10820400" cy="4024313"/>
+          <a:off x="2286000" y="2057401"/>
+          <a:ext cx="7449972" cy="4471736"/>
         </p:xfrm>
         <a:graphic>
           <a:graphicData uri="http://schemas.openxmlformats.org/drawingml/2006/diagram">
-            <dgm:relIds xmlns:dgm="http://schemas.openxmlformats.org/drawingml/2006/diagram" xmlns:r="http://schemas.openxmlformats.org/officeDocument/2006/relationships" r:dm="rId2" r:lo="rId3" r:qs="rId4" r:cs="rId5"/>
+            <dgm:relIds xmlns:dgm="http://schemas.openxmlformats.org/drawingml/2006/diagram" xmlns:r="http://schemas.openxmlformats.org/officeDocument/2006/relationships" r:dm="rId3" r:lo="rId4" r:qs="rId5" r:cs="rId6"/>
           </a:graphicData>
         </a:graphic>
       </p:graphicFrame>
@@ -11820,11 +12759,11 @@
           </p:nvPr>
         </p:nvPicPr>
         <p:blipFill>
-          <a:blip r:embed="rId2">
+          <a:blip r:embed="rId3">
             <a:extLst>
               <a:ext uri="{BEBA8EAE-BF5A-486C-A8C5-ECC9F3942E4B}">
                 <a14:imgProps xmlns:a14="http://schemas.microsoft.com/office/drawing/2010/main">
-                  <a14:imgLayer r:embed="rId3">
+                  <a14:imgLayer r:embed="rId4">
                     <a14:imgEffect>
                       <a14:backgroundRemoval t="0" b="100000" l="480" r="100000">
                         <a14:foregroundMark x1="72422" y1="49582" x2="72422" y2="49582"/>
@@ -11863,33 +12802,56 @@
       </p:pic>
       <p:pic>
         <p:nvPicPr>
-          <p:cNvPr id="5" name="그림 4"/>
+          <p:cNvPr id="3" name="그림 2"/>
           <p:cNvPicPr>
             <a:picLocks noChangeAspect="1"/>
           </p:cNvPicPr>
           <p:nvPr/>
         </p:nvPicPr>
         <p:blipFill>
-          <a:blip r:embed="rId4">
+          <a:blip r:embed="rId5">
             <a:extLst>
               <a:ext uri="{BEBA8EAE-BF5A-486C-A8C5-ECC9F3942E4B}">
                 <a14:imgProps xmlns:a14="http://schemas.microsoft.com/office/drawing/2010/main">
-                  <a14:imgLayer r:embed="rId5">
+                  <a14:imgLayer r:embed="rId6">
                     <a14:imgEffect>
-                      <a14:backgroundRemoval t="9901" b="89769" l="6742" r="89888">
-                        <a14:foregroundMark x1="15106" y1="42244" x2="15106" y2="42244"/>
-                        <a14:foregroundMark x1="6742" y1="42574" x2="6742" y2="42574"/>
-                        <a14:foregroundMark x1="32335" y1="48185" x2="32335" y2="48185"/>
-                        <a14:foregroundMark x1="44070" y1="47525" x2="44070" y2="47525"/>
-                        <a14:foregroundMark x1="58052" y1="46865" x2="58052" y2="46865"/>
-                        <a14:foregroundMark x1="64419" y1="52805" x2="64419" y2="52805"/>
-                        <a14:foregroundMark x1="63046" y1="41584" x2="63046" y2="41584"/>
-                        <a14:foregroundMark x1="61298" y1="27063" x2="61298" y2="27063"/>
-                        <a14:foregroundMark x1="69788" y1="47525" x2="69788" y2="47525"/>
-                        <a14:foregroundMark x1="78027" y1="30693" x2="78027" y2="30693"/>
-                        <a14:foregroundMark x1="77528" y1="54785" x2="77528" y2="54785"/>
-                        <a14:foregroundMark x1="82896" y1="47525" x2="82896" y2="47525"/>
-                        <a14:foregroundMark x1="88639" y1="27723" x2="88639" y2="27723"/>
+                      <a14:backgroundRemoval t="9211" b="100000" l="5514" r="98246">
+                        <a14:foregroundMark x1="17293" y1="57895" x2="17293" y2="57895"/>
+                        <a14:foregroundMark x1="6015" y1="43421" x2="6015" y2="43421"/>
+                        <a14:foregroundMark x1="12281" y1="75658" x2="12281" y2="75658"/>
+                        <a14:foregroundMark x1="22807" y1="50000" x2="22807" y2="50000"/>
+                        <a14:foregroundMark x1="34586" y1="48026" x2="34586" y2="48026"/>
+                        <a14:foregroundMark x1="47619" y1="39474" x2="47619" y2="39474"/>
+                        <a14:foregroundMark x1="42356" y1="74342" x2="42356" y2="74342"/>
+                        <a14:foregroundMark x1="84712" y1="28947" x2="84712" y2="30921"/>
+                        <a14:foregroundMark x1="93985" y1="36842" x2="93985" y2="36842"/>
+                        <a14:foregroundMark x1="94987" y1="85526" x2="94987" y2="85526"/>
+                        <a14:foregroundMark x1="93985" y1="90132" x2="93985" y2="90132"/>
+                        <a14:foregroundMark x1="91980" y1="86184" x2="91980" y2="86184"/>
+                        <a14:foregroundMark x1="88221" y1="85526" x2="88221" y2="85526"/>
+                        <a14:foregroundMark x1="87469" y1="90789" x2="87469" y2="90789"/>
+                        <a14:foregroundMark x1="90727" y1="92105" x2="90727" y2="92105"/>
+                        <a14:foregroundMark x1="85213" y1="84211" x2="85213" y2="84211"/>
+                        <a14:foregroundMark x1="84962" y1="89474" x2="84962" y2="89474"/>
+                        <a14:foregroundMark x1="78947" y1="87500" x2="78947" y2="87500"/>
+                        <a14:foregroundMark x1="75940" y1="86842" x2="75940" y2="86842"/>
+                        <a14:foregroundMark x1="75940" y1="90789" x2="75940" y2="90789"/>
+                        <a14:foregroundMark x1="77193" y1="90789" x2="77193" y2="90789"/>
+                        <a14:foregroundMark x1="74185" y1="88158" x2="74185" y2="88158"/>
+                        <a14:foregroundMark x1="70175" y1="88158" x2="70175" y2="88158"/>
+                        <a14:foregroundMark x1="70677" y1="82237" x2="70677" y2="82237"/>
+                        <a14:foregroundMark x1="61654" y1="85526" x2="61654" y2="85526"/>
+                        <a14:foregroundMark x1="63409" y1="81579" x2="63409" y2="81579"/>
+                        <a14:foregroundMark x1="59649" y1="84211" x2="59649" y2="84211"/>
+                        <a14:foregroundMark x1="55890" y1="85526" x2="55890" y2="85526"/>
+                        <a14:foregroundMark x1="49875" y1="86184" x2="49875" y2="86184"/>
+                        <a14:foregroundMark x1="46115" y1="87500" x2="46115" y2="87500"/>
+                        <a14:foregroundMark x1="42857" y1="86842" x2="42857" y2="86842"/>
+                        <a14:foregroundMark x1="42607" y1="82237" x2="42607" y2="82237"/>
+                        <a14:foregroundMark x1="39098" y1="86842" x2="39098" y2="86842"/>
+                        <a14:foregroundMark x1="35840" y1="86842" x2="35840" y2="86842"/>
+                        <a14:foregroundMark x1="32581" y1="86842" x2="32581" y2="86842"/>
+                        <a14:foregroundMark x1="30576" y1="86842" x2="30576" y2="86842"/>
                       </a14:backgroundRemoval>
                     </a14:imgEffect>
                   </a14:imgLayer>
@@ -11906,8 +12868,8 @@
         </p:blipFill>
         <p:spPr>
           <a:xfrm>
-            <a:off x="5759670" y="3151824"/>
-            <a:ext cx="4877990" cy="1845232"/>
+            <a:off x="6145930" y="3109240"/>
+            <a:ext cx="4976730" cy="1895897"/>
           </a:xfrm>
           <a:prstGeom prst="rect">
             <a:avLst/>
@@ -11974,7 +12936,7 @@
                 <a:ea typeface="Abadi MT Condensed Extra Bold" charset="0"/>
                 <a:cs typeface="Abadi MT Condensed Extra Bold" charset="0"/>
               </a:rPr>
-              <a:t>Output</a:t>
+              <a:t>Algorithm</a:t>
             </a:r>
             <a:endParaRPr kumimoji="1" lang="ko-KR" altLang="en-US" sz="5400" dirty="0">
               <a:latin typeface="Abadi MT Condensed Extra Bold" charset="0"/>
@@ -11984,55 +12946,35 @@
           </a:p>
         </p:txBody>
       </p:sp>
-      <p:pic>
-        <p:nvPicPr>
-          <p:cNvPr id="4" name="내용 개체 틀 3"/>
-          <p:cNvPicPr>
-            <a:picLocks noGrp="1" noChangeAspect="1"/>
-          </p:cNvPicPr>
+      <p:sp>
+        <p:nvSpPr>
+          <p:cNvPr id="3" name="내용 개체 틀 2"/>
+          <p:cNvSpPr>
+            <a:spLocks noGrp="1"/>
+          </p:cNvSpPr>
           <p:nvPr>
             <p:ph idx="1"/>
           </p:nvPr>
-        </p:nvPicPr>
-        <p:blipFill>
-          <a:blip r:embed="rId2">
-            <a:extLst>
-              <a:ext uri="{28A0092B-C50C-407E-A947-70E740481C1C}">
-                <a14:useLocalDpi xmlns:a14="http://schemas.microsoft.com/office/drawing/2010/main" val="0"/>
-              </a:ext>
-            </a:extLst>
-          </a:blip>
-          <a:stretch>
-            <a:fillRect/>
-          </a:stretch>
-        </p:blipFill>
-        <p:spPr>
-          <a:xfrm>
-            <a:off x="4239156" y="2057401"/>
-            <a:ext cx="7267044" cy="4024313"/>
-          </a:xfrm>
-          <a:prstGeom prst="rect">
-            <a:avLst/>
-          </a:prstGeom>
-        </p:spPr>
-      </p:pic>
+        </p:nvSpPr>
+        <p:spPr/>
+        <p:txBody>
+          <a:bodyPr/>
+          <a:lstStyle/>
+          <a:p>
+            <a:endParaRPr kumimoji="1" lang="ko-KR" altLang="en-US" dirty="0"/>
+          </a:p>
+        </p:txBody>
+      </p:sp>
     </p:spTree>
     <p:extLst>
       <p:ext uri="{BB962C8B-B14F-4D97-AF65-F5344CB8AC3E}">
-        <p14:creationId xmlns:p14="http://schemas.microsoft.com/office/powerpoint/2010/main" val="1351934195"/>
+        <p14:creationId xmlns:p14="http://schemas.microsoft.com/office/powerpoint/2010/main" val="54709989"/>
       </p:ext>
     </p:extLst>
   </p:cSld>
   <p:clrMapOvr>
     <a:masterClrMapping/>
   </p:clrMapOvr>
-  <p:timing>
-    <p:tnLst>
-      <p:par>
-        <p:cTn id="1" dur="indefinite" restart="never" nodeType="tmRoot"/>
-      </p:par>
-    </p:tnLst>
-  </p:timing>
 </p:sld>
 </file>
 
@@ -12076,7 +13018,7 @@
                 <a:ea typeface="Abadi MT Condensed Extra Bold" charset="0"/>
                 <a:cs typeface="Abadi MT Condensed Extra Bold" charset="0"/>
               </a:rPr>
-              <a:t>MVP</a:t>
+              <a:t>Output</a:t>
             </a:r>
             <a:endParaRPr kumimoji="1" lang="ko-KR" altLang="en-US" sz="5400" dirty="0">
               <a:latin typeface="Abadi MT Condensed Extra Bold" charset="0"/>
@@ -12086,60 +13028,42 @@
           </a:p>
         </p:txBody>
       </p:sp>
-      <p:sp>
-        <p:nvSpPr>
-          <p:cNvPr id="3" name="내용 개체 틀 2"/>
-          <p:cNvSpPr>
-            <a:spLocks noGrp="1"/>
-          </p:cNvSpPr>
+      <p:pic>
+        <p:nvPicPr>
+          <p:cNvPr id="4" name="내용 개체 틀 3"/>
+          <p:cNvPicPr>
+            <a:picLocks noGrp="1" noChangeAspect="1"/>
+          </p:cNvPicPr>
           <p:nvPr>
             <p:ph idx="1"/>
           </p:nvPr>
-        </p:nvSpPr>
-        <p:spPr/>
-        <p:txBody>
-          <a:bodyPr/>
-          <a:lstStyle/>
-          <a:p>
-            <a:pPr>
-              <a:lnSpc>
-                <a:spcPct val="200000"/>
-              </a:lnSpc>
-            </a:pPr>
-            <a:r>
-              <a:rPr kumimoji="1" lang="en-US" altLang="ko-KR" dirty="0" smtClean="0"/>
-              <a:t>Detecting one object from input video </a:t>
-            </a:r>
-          </a:p>
-          <a:p>
-            <a:pPr>
-              <a:lnSpc>
-                <a:spcPct val="200000"/>
-              </a:lnSpc>
-            </a:pPr>
-            <a:r>
-              <a:rPr kumimoji="1" lang="en-US" altLang="ko-KR" dirty="0" smtClean="0"/>
-              <a:t>Record the time</a:t>
-            </a:r>
-          </a:p>
-          <a:p>
-            <a:pPr>
-              <a:lnSpc>
-                <a:spcPct val="200000"/>
-              </a:lnSpc>
-            </a:pPr>
-            <a:r>
-              <a:rPr kumimoji="1" lang="en-US" altLang="ko-KR" dirty="0" smtClean="0"/>
-              <a:t>Display the output </a:t>
-            </a:r>
-            <a:endParaRPr kumimoji="1" lang="ko-KR" altLang="en-US" dirty="0"/>
-          </a:p>
-        </p:txBody>
-      </p:sp>
+        </p:nvPicPr>
+        <p:blipFill>
+          <a:blip r:embed="rId2">
+            <a:extLst>
+              <a:ext uri="{28A0092B-C50C-407E-A947-70E740481C1C}">
+                <a14:useLocalDpi xmlns:a14="http://schemas.microsoft.com/office/drawing/2010/main" val="0"/>
+              </a:ext>
+            </a:extLst>
+          </a:blip>
+          <a:stretch>
+            <a:fillRect/>
+          </a:stretch>
+        </p:blipFill>
+        <p:spPr>
+          <a:xfrm>
+            <a:off x="2458483" y="2057401"/>
+            <a:ext cx="7267044" cy="4024313"/>
+          </a:xfrm>
+          <a:prstGeom prst="rect">
+            <a:avLst/>
+          </a:prstGeom>
+        </p:spPr>
+      </p:pic>
     </p:spTree>
     <p:extLst>
       <p:ext uri="{BB962C8B-B14F-4D97-AF65-F5344CB8AC3E}">
-        <p14:creationId xmlns:p14="http://schemas.microsoft.com/office/powerpoint/2010/main" val="753799505"/>
+        <p14:creationId xmlns:p14="http://schemas.microsoft.com/office/powerpoint/2010/main" val="1351934195"/>
       </p:ext>
     </p:extLst>
   </p:cSld>
@@ -12196,7 +13120,7 @@
                 <a:ea typeface="Abadi MT Condensed Extra Bold" charset="0"/>
                 <a:cs typeface="Abadi MT Condensed Extra Bold" charset="0"/>
               </a:rPr>
-              <a:t>Ideal Product</a:t>
+              <a:t>MVP</a:t>
             </a:r>
             <a:endParaRPr kumimoji="1" lang="ko-KR" altLang="en-US" sz="5400" dirty="0">
               <a:latin typeface="Abadi MT Condensed Extra Bold" charset="0"/>
@@ -12228,7 +13152,7 @@
             </a:pPr>
             <a:r>
               <a:rPr kumimoji="1" lang="en-US" altLang="ko-KR" dirty="0" smtClean="0"/>
-              <a:t>Find different types of object at the same time </a:t>
+              <a:t>Detecting one object from input video </a:t>
             </a:r>
           </a:p>
           <a:p>
@@ -12239,7 +13163,7 @@
             </a:pPr>
             <a:r>
               <a:rPr kumimoji="1" lang="en-US" altLang="ko-KR" dirty="0" smtClean="0"/>
-              <a:t>Detecting all similar types of object with one input image </a:t>
+              <a:t>Record the time</a:t>
             </a:r>
           </a:p>
           <a:p>
@@ -12250,15 +13174,16 @@
             </a:pPr>
             <a:r>
               <a:rPr kumimoji="1" lang="en-US" altLang="ko-KR" dirty="0" smtClean="0"/>
-              <a:t>Recognize the object automatically </a:t>
-            </a:r>
+              <a:t>Display the output </a:t>
+            </a:r>
+            <a:endParaRPr kumimoji="1" lang="ko-KR" altLang="en-US" dirty="0"/>
           </a:p>
         </p:txBody>
       </p:sp>
     </p:spTree>
     <p:extLst>
       <p:ext uri="{BB962C8B-B14F-4D97-AF65-F5344CB8AC3E}">
-        <p14:creationId xmlns:p14="http://schemas.microsoft.com/office/powerpoint/2010/main" val="1227619358"/>
+        <p14:creationId xmlns:p14="http://schemas.microsoft.com/office/powerpoint/2010/main" val="753799505"/>
       </p:ext>
     </p:extLst>
   </p:cSld>
@@ -12315,7 +13240,7 @@
                 <a:ea typeface="Abadi MT Condensed Extra Bold" charset="0"/>
                 <a:cs typeface="Abadi MT Condensed Extra Bold" charset="0"/>
               </a:rPr>
-              <a:t>Timeline</a:t>
+              <a:t>Ideal Product</a:t>
             </a:r>
             <a:endParaRPr kumimoji="1" lang="ko-KR" altLang="en-US" sz="5400" dirty="0">
               <a:latin typeface="Abadi MT Condensed Extra Bold" charset="0"/>
@@ -12337,139 +13262,39 @@
         </p:nvSpPr>
         <p:spPr/>
         <p:txBody>
-          <a:bodyPr numCol="2">
-            <a:normAutofit/>
-          </a:bodyPr>
+          <a:bodyPr/>
           <a:lstStyle/>
           <a:p>
+            <a:pPr>
+              <a:lnSpc>
+                <a:spcPct val="200000"/>
+              </a:lnSpc>
+            </a:pPr>
             <a:r>
               <a:rPr kumimoji="1" lang="en-US" altLang="ko-KR" dirty="0" smtClean="0"/>
-              <a:t>Week 5</a:t>
-            </a:r>
-          </a:p>
-          <a:p>
-            <a:pPr marL="685800" lvl="2">
-              <a:spcBef>
-                <a:spcPts val="1000"/>
-              </a:spcBef>
+              <a:t>Find different types of object at the same time </a:t>
+            </a:r>
+          </a:p>
+          <a:p>
+            <a:pPr>
+              <a:lnSpc>
+                <a:spcPct val="200000"/>
+              </a:lnSpc>
             </a:pPr>
             <a:r>
-              <a:rPr kumimoji="1" lang="en-US" altLang="ko-KR" dirty="0"/>
-              <a:t>Decide the </a:t>
-            </a:r>
-            <a:r>
               <a:rPr kumimoji="1" lang="en-US" altLang="ko-KR" dirty="0" smtClean="0"/>
-              <a:t>team</a:t>
-            </a:r>
-          </a:p>
-          <a:p>
-            <a:pPr marL="685800" lvl="2">
-              <a:spcBef>
-                <a:spcPts val="1000"/>
-              </a:spcBef>
+              <a:t>Detecting all similar types of object with one input image </a:t>
+            </a:r>
+          </a:p>
+          <a:p>
+            <a:pPr>
+              <a:lnSpc>
+                <a:spcPct val="200000"/>
+              </a:lnSpc>
             </a:pPr>
-            <a:endParaRPr kumimoji="1" lang="en-US" altLang="ko-KR" dirty="0" smtClean="0"/>
-          </a:p>
-          <a:p>
             <a:r>
               <a:rPr kumimoji="1" lang="en-US" altLang="ko-KR" dirty="0" smtClean="0"/>
-              <a:t>Week 6</a:t>
-            </a:r>
-          </a:p>
-          <a:p>
-            <a:pPr lvl="1"/>
-            <a:r>
-              <a:rPr kumimoji="1" lang="en-US" altLang="ko-KR" dirty="0" smtClean="0"/>
-              <a:t>Initial proposal </a:t>
-            </a:r>
-          </a:p>
-          <a:p>
-            <a:pPr lvl="1"/>
-            <a:r>
-              <a:rPr kumimoji="1" lang="en-US" altLang="ko-KR" dirty="0" smtClean="0"/>
-              <a:t>Research</a:t>
-            </a:r>
-          </a:p>
-          <a:p>
-            <a:pPr lvl="1"/>
-            <a:endParaRPr kumimoji="1" lang="en-US" altLang="ko-KR" dirty="0" smtClean="0"/>
-          </a:p>
-          <a:p>
-            <a:r>
-              <a:rPr kumimoji="1" lang="en-US" altLang="ko-KR" dirty="0" smtClean="0"/>
-              <a:t>Week 7</a:t>
-            </a:r>
-          </a:p>
-          <a:p>
-            <a:pPr lvl="1"/>
-            <a:r>
-              <a:rPr kumimoji="1" lang="en-US" altLang="ko-KR" dirty="0"/>
-              <a:t>?</a:t>
-            </a:r>
-            <a:endParaRPr kumimoji="1" lang="en-US" altLang="ko-KR" dirty="0" smtClean="0"/>
-          </a:p>
-          <a:p>
-            <a:r>
-              <a:rPr kumimoji="1" lang="en-US" altLang="ko-KR" dirty="0" smtClean="0"/>
-              <a:t>Week 8</a:t>
-            </a:r>
-          </a:p>
-          <a:p>
-            <a:pPr lvl="1"/>
-            <a:r>
-              <a:rPr kumimoji="1" lang="en-US" altLang="ko-KR" dirty="0" smtClean="0"/>
-              <a:t>Interim status meeting </a:t>
-            </a:r>
-          </a:p>
-          <a:p>
-            <a:pPr lvl="1"/>
-            <a:endParaRPr kumimoji="1" lang="en-US" altLang="ko-KR" dirty="0" smtClean="0"/>
-          </a:p>
-          <a:p>
-            <a:r>
-              <a:rPr kumimoji="1" lang="en-US" altLang="ko-KR" dirty="0" smtClean="0"/>
-              <a:t>Week 9</a:t>
-            </a:r>
-          </a:p>
-          <a:p>
-            <a:pPr lvl="1"/>
-            <a:r>
-              <a:rPr kumimoji="1" lang="en-US" altLang="ko-KR" dirty="0" smtClean="0"/>
-              <a:t> ?</a:t>
-            </a:r>
-          </a:p>
-          <a:p>
-            <a:pPr lvl="1"/>
-            <a:endParaRPr kumimoji="1" lang="en-US" altLang="ko-KR" dirty="0" smtClean="0"/>
-          </a:p>
-          <a:p>
-            <a:r>
-              <a:rPr kumimoji="1" lang="en-US" altLang="ko-KR" dirty="0" smtClean="0"/>
-              <a:t>Week 10</a:t>
-            </a:r>
-          </a:p>
-          <a:p>
-            <a:pPr lvl="1"/>
-            <a:r>
-              <a:rPr kumimoji="1" lang="en-US" altLang="ko-KR" dirty="0" smtClean="0"/>
-              <a:t>Final presentation and demonstration </a:t>
-            </a:r>
-          </a:p>
-          <a:p>
-            <a:pPr lvl="1"/>
-            <a:endParaRPr kumimoji="1" lang="en-US" altLang="ko-KR" dirty="0" smtClean="0"/>
-          </a:p>
-          <a:p>
-            <a:r>
-              <a:rPr kumimoji="1" lang="en-US" altLang="ko-KR" dirty="0" smtClean="0"/>
-              <a:t>Week 11</a:t>
-            </a:r>
-          </a:p>
-          <a:p>
-            <a:pPr lvl="1"/>
-            <a:r>
-              <a:rPr kumimoji="1" lang="en-US" altLang="ko-KR" dirty="0" smtClean="0"/>
-              <a:t>Final report </a:t>
+              <a:t>Recognize the object automatically </a:t>
             </a:r>
           </a:p>
         </p:txBody>
@@ -12477,7 +13302,7 @@
     </p:spTree>
     <p:extLst>
       <p:ext uri="{BB962C8B-B14F-4D97-AF65-F5344CB8AC3E}">
-        <p14:creationId xmlns:p14="http://schemas.microsoft.com/office/powerpoint/2010/main" val="1400285365"/>
+        <p14:creationId xmlns:p14="http://schemas.microsoft.com/office/powerpoint/2010/main" val="1227619358"/>
       </p:ext>
     </p:extLst>
   </p:cSld>
@@ -12513,39 +13338,182 @@
       </p:grpSpPr>
       <p:sp>
         <p:nvSpPr>
-          <p:cNvPr id="5" name="직사각형 4"/>
-          <p:cNvSpPr/>
-          <p:nvPr/>
-        </p:nvSpPr>
-        <p:spPr>
-          <a:xfrm>
-            <a:off x="2333291" y="1829782"/>
-            <a:ext cx="7242432" cy="2215991"/>
-          </a:xfrm>
-          <a:prstGeom prst="rect">
-            <a:avLst/>
-          </a:prstGeom>
-          <a:effectLst>
-            <a:outerShdw blurRad="50800" dist="50800" dir="4140000" algn="ctr" rotWithShape="0">
-              <a:schemeClr val="accent2">
-                <a:lumMod val="75000"/>
-              </a:schemeClr>
-            </a:outerShdw>
-          </a:effectLst>
-        </p:spPr>
+          <p:cNvPr id="2" name="제목 1"/>
+          <p:cNvSpPr>
+            <a:spLocks noGrp="1"/>
+          </p:cNvSpPr>
+          <p:nvPr>
+            <p:ph type="title"/>
+          </p:nvPr>
+        </p:nvSpPr>
+        <p:spPr/>
         <p:txBody>
-          <a:bodyPr wrap="none">
-            <a:spAutoFit/>
+          <a:bodyPr>
+            <a:normAutofit/>
           </a:bodyPr>
           <a:lstStyle/>
           <a:p>
             <a:r>
-              <a:rPr kumimoji="1" lang="en-US" altLang="ko-KR" sz="13800" dirty="0" smtClean="0">
+              <a:rPr kumimoji="1" lang="en-US" altLang="ko-KR" sz="5400" dirty="0" smtClean="0">
                 <a:latin typeface="Abadi MT Condensed Extra Bold" charset="0"/>
                 <a:ea typeface="Abadi MT Condensed Extra Bold" charset="0"/>
                 <a:cs typeface="Abadi MT Condensed Extra Bold" charset="0"/>
               </a:rPr>
-              <a:t>Thank You</a:t>
+              <a:t>Timeline</a:t>
+            </a:r>
+            <a:endParaRPr kumimoji="1" lang="ko-KR" altLang="en-US" sz="5400" dirty="0">
+              <a:latin typeface="Abadi MT Condensed Extra Bold" charset="0"/>
+              <a:ea typeface="Abadi MT Condensed Extra Bold" charset="0"/>
+              <a:cs typeface="Abadi MT Condensed Extra Bold" charset="0"/>
+            </a:endParaRPr>
+          </a:p>
+        </p:txBody>
+      </p:sp>
+      <p:sp>
+        <p:nvSpPr>
+          <p:cNvPr id="3" name="내용 개체 틀 2"/>
+          <p:cNvSpPr>
+            <a:spLocks noGrp="1"/>
+          </p:cNvSpPr>
+          <p:nvPr>
+            <p:ph idx="1"/>
+          </p:nvPr>
+        </p:nvSpPr>
+        <p:spPr/>
+        <p:txBody>
+          <a:bodyPr numCol="2">
+            <a:normAutofit/>
+          </a:bodyPr>
+          <a:lstStyle/>
+          <a:p>
+            <a:r>
+              <a:rPr kumimoji="1" lang="en-US" altLang="ko-KR" dirty="0" smtClean="0"/>
+              <a:t>Week 5</a:t>
+            </a:r>
+          </a:p>
+          <a:p>
+            <a:pPr marL="685800" lvl="2">
+              <a:spcBef>
+                <a:spcPts val="1000"/>
+              </a:spcBef>
+            </a:pPr>
+            <a:r>
+              <a:rPr kumimoji="1" lang="en-US" altLang="ko-KR" dirty="0"/>
+              <a:t>Decide the </a:t>
+            </a:r>
+            <a:r>
+              <a:rPr kumimoji="1" lang="en-US" altLang="ko-KR" dirty="0" smtClean="0"/>
+              <a:t>team</a:t>
+            </a:r>
+          </a:p>
+          <a:p>
+            <a:pPr marL="685800" lvl="2">
+              <a:spcBef>
+                <a:spcPts val="1000"/>
+              </a:spcBef>
+            </a:pPr>
+            <a:endParaRPr kumimoji="1" lang="en-US" altLang="ko-KR" dirty="0" smtClean="0"/>
+          </a:p>
+          <a:p>
+            <a:r>
+              <a:rPr kumimoji="1" lang="en-US" altLang="ko-KR" dirty="0" smtClean="0"/>
+              <a:t>Week 6</a:t>
+            </a:r>
+          </a:p>
+          <a:p>
+            <a:pPr lvl="1"/>
+            <a:r>
+              <a:rPr kumimoji="1" lang="en-US" altLang="ko-KR" dirty="0" smtClean="0"/>
+              <a:t>Initial proposal </a:t>
+            </a:r>
+          </a:p>
+          <a:p>
+            <a:pPr lvl="1"/>
+            <a:r>
+              <a:rPr kumimoji="1" lang="en-US" altLang="ko-KR" dirty="0" smtClean="0"/>
+              <a:t>Research</a:t>
+            </a:r>
+          </a:p>
+          <a:p>
+            <a:pPr lvl="1"/>
+            <a:endParaRPr kumimoji="1" lang="en-US" altLang="ko-KR" dirty="0" smtClean="0"/>
+          </a:p>
+          <a:p>
+            <a:r>
+              <a:rPr kumimoji="1" lang="en-US" altLang="ko-KR" dirty="0" smtClean="0"/>
+              <a:t>Week 7</a:t>
+            </a:r>
+          </a:p>
+          <a:p>
+            <a:pPr lvl="1"/>
+            <a:r>
+              <a:rPr kumimoji="1" lang="en-US" altLang="ko-KR" dirty="0"/>
+              <a:t>?</a:t>
+            </a:r>
+            <a:endParaRPr kumimoji="1" lang="en-US" altLang="ko-KR" dirty="0" smtClean="0"/>
+          </a:p>
+          <a:p>
+            <a:r>
+              <a:rPr kumimoji="1" lang="en-US" altLang="ko-KR" dirty="0" smtClean="0"/>
+              <a:t>Week 8</a:t>
+            </a:r>
+          </a:p>
+          <a:p>
+            <a:pPr lvl="1"/>
+            <a:r>
+              <a:rPr kumimoji="1" lang="en-US" altLang="ko-KR" dirty="0" smtClean="0"/>
+              <a:t>Interim status meeting </a:t>
+            </a:r>
+          </a:p>
+          <a:p>
+            <a:pPr lvl="1"/>
+            <a:endParaRPr kumimoji="1" lang="en-US" altLang="ko-KR" dirty="0" smtClean="0"/>
+          </a:p>
+          <a:p>
+            <a:r>
+              <a:rPr kumimoji="1" lang="en-US" altLang="ko-KR" dirty="0" smtClean="0"/>
+              <a:t>Week 9</a:t>
+            </a:r>
+          </a:p>
+          <a:p>
+            <a:pPr lvl="1"/>
+            <a:r>
+              <a:rPr kumimoji="1" lang="en-US" altLang="ko-KR" dirty="0" smtClean="0"/>
+              <a:t> ?</a:t>
+            </a:r>
+          </a:p>
+          <a:p>
+            <a:pPr lvl="1"/>
+            <a:endParaRPr kumimoji="1" lang="en-US" altLang="ko-KR" dirty="0" smtClean="0"/>
+          </a:p>
+          <a:p>
+            <a:r>
+              <a:rPr kumimoji="1" lang="en-US" altLang="ko-KR" dirty="0" smtClean="0"/>
+              <a:t>Week 10</a:t>
+            </a:r>
+          </a:p>
+          <a:p>
+            <a:pPr lvl="1"/>
+            <a:r>
+              <a:rPr kumimoji="1" lang="en-US" altLang="ko-KR" dirty="0" smtClean="0"/>
+              <a:t>Final presentation and demonstration </a:t>
+            </a:r>
+          </a:p>
+          <a:p>
+            <a:pPr lvl="1"/>
+            <a:endParaRPr kumimoji="1" lang="en-US" altLang="ko-KR" dirty="0" smtClean="0"/>
+          </a:p>
+          <a:p>
+            <a:r>
+              <a:rPr kumimoji="1" lang="en-US" altLang="ko-KR" dirty="0" smtClean="0"/>
+              <a:t>Week 11</a:t>
+            </a:r>
+          </a:p>
+          <a:p>
+            <a:pPr lvl="1"/>
+            <a:r>
+              <a:rPr kumimoji="1" lang="en-US" altLang="ko-KR" dirty="0" smtClean="0"/>
+              <a:t>Final report </a:t>
             </a:r>
           </a:p>
         </p:txBody>
@@ -12553,7 +13521,7 @@
     </p:spTree>
     <p:extLst>
       <p:ext uri="{BB962C8B-B14F-4D97-AF65-F5344CB8AC3E}">
-        <p14:creationId xmlns:p14="http://schemas.microsoft.com/office/powerpoint/2010/main" val="2051724831"/>
+        <p14:creationId xmlns:p14="http://schemas.microsoft.com/office/powerpoint/2010/main" val="1400285365"/>
       </p:ext>
     </p:extLst>
   </p:cSld>
@@ -12838,4 +13806,265 @@
     </a:ext>
   </a:extLst>
 </a:theme>
+</file>
+
+<file path=ppt/theme/theme2.xml><?xml version="1.0" encoding="utf-8"?>
+<a:theme xmlns:a="http://schemas.openxmlformats.org/drawingml/2006/main" name="Office 테마">
+  <a:themeElements>
+    <a:clrScheme name="Office">
+      <a:dk1>
+        <a:sysClr val="windowText" lastClr="000000"/>
+      </a:dk1>
+      <a:lt1>
+        <a:sysClr val="window" lastClr="FFFFFF"/>
+      </a:lt1>
+      <a:dk2>
+        <a:srgbClr val="44546A"/>
+      </a:dk2>
+      <a:lt2>
+        <a:srgbClr val="E7E6E6"/>
+      </a:lt2>
+      <a:accent1>
+        <a:srgbClr val="4472C4"/>
+      </a:accent1>
+      <a:accent2>
+        <a:srgbClr val="ED7D31"/>
+      </a:accent2>
+      <a:accent3>
+        <a:srgbClr val="A5A5A5"/>
+      </a:accent3>
+      <a:accent4>
+        <a:srgbClr val="FFC000"/>
+      </a:accent4>
+      <a:accent5>
+        <a:srgbClr val="5B9BD5"/>
+      </a:accent5>
+      <a:accent6>
+        <a:srgbClr val="70AD47"/>
+      </a:accent6>
+      <a:hlink>
+        <a:srgbClr val="0563C1"/>
+      </a:hlink>
+      <a:folHlink>
+        <a:srgbClr val="954F72"/>
+      </a:folHlink>
+    </a:clrScheme>
+    <a:fontScheme name="Office">
+      <a:majorFont>
+        <a:latin typeface="맑은 고딕" panose="020F0302020204030204"/>
+        <a:ea typeface=""/>
+        <a:cs typeface=""/>
+        <a:font script="Jpan" typeface="Yu Gothic Light"/>
+        <a:font script="Hang" typeface="맑은 고딕"/>
+        <a:font script="Hans" typeface="DengXian Light"/>
+        <a:font script="Hant" typeface="新細明體"/>
+        <a:font script="Arab" typeface="Times New Roman"/>
+        <a:font script="Hebr" typeface="Times New Roman"/>
+        <a:font script="Thai" typeface="Angsana New"/>
+        <a:font script="Ethi" typeface="Nyala"/>
+        <a:font script="Beng" typeface="Vrinda"/>
+        <a:font script="Gujr" typeface="Shruti"/>
+        <a:font script="Khmr" typeface="MoolBoran"/>
+        <a:font script="Knda" typeface="Tunga"/>
+        <a:font script="Guru" typeface="Raavi"/>
+        <a:font script="Cans" typeface="Euphemia"/>
+        <a:font script="Cher" typeface="Plantagenet Cherokee"/>
+        <a:font script="Yiii" typeface="Microsoft Yi Baiti"/>
+        <a:font script="Tibt" typeface="Microsoft Himalaya"/>
+        <a:font script="Thaa" typeface="MV Boli"/>
+        <a:font script="Deva" typeface="Mangal"/>
+        <a:font script="Telu" typeface="Gautami"/>
+        <a:font script="Taml" typeface="Latha"/>
+        <a:font script="Syrc" typeface="Estrangelo Edessa"/>
+        <a:font script="Orya" typeface="Kalinga"/>
+        <a:font script="Mlym" typeface="Kartika"/>
+        <a:font script="Laoo" typeface="DokChampa"/>
+        <a:font script="Sinh" typeface="Iskoola Pota"/>
+        <a:font script="Mong" typeface="Mongolian Baiti"/>
+        <a:font script="Viet" typeface="Times New Roman"/>
+        <a:font script="Uigh" typeface="Microsoft Uighur"/>
+        <a:font script="Geor" typeface="Sylfaen"/>
+      </a:majorFont>
+      <a:minorFont>
+        <a:latin typeface="맑은 고딕" panose="020F0502020204030204"/>
+        <a:ea typeface=""/>
+        <a:cs typeface=""/>
+        <a:font script="Jpan" typeface="Yu Gothic"/>
+        <a:font script="Hang" typeface="맑은 고딕"/>
+        <a:font script="Hans" typeface="DengXian"/>
+        <a:font script="Hant" typeface="新細明體"/>
+        <a:font script="Arab" typeface="Arial"/>
+        <a:font script="Hebr" typeface="Arial"/>
+        <a:font script="Thai" typeface="Cordia New"/>
+        <a:font script="Ethi" typeface="Nyala"/>
+        <a:font script="Beng" typeface="Vrinda"/>
+        <a:font script="Gujr" typeface="Shruti"/>
+        <a:font script="Khmr" typeface="DaunPenh"/>
+        <a:font script="Knda" typeface="Tunga"/>
+        <a:font script="Guru" typeface="Raavi"/>
+        <a:font script="Cans" typeface="Euphemia"/>
+        <a:font script="Cher" typeface="Plantagenet Cherokee"/>
+        <a:font script="Yiii" typeface="Microsoft Yi Baiti"/>
+        <a:font script="Tibt" typeface="Microsoft Himalaya"/>
+        <a:font script="Thaa" typeface="MV Boli"/>
+        <a:font script="Deva" typeface="Mangal"/>
+        <a:font script="Telu" typeface="Gautami"/>
+        <a:font script="Taml" typeface="Latha"/>
+        <a:font script="Syrc" typeface="Estrangelo Edessa"/>
+        <a:font script="Orya" typeface="Kalinga"/>
+        <a:font script="Mlym" typeface="Kartika"/>
+        <a:font script="Laoo" typeface="DokChampa"/>
+        <a:font script="Sinh" typeface="Iskoola Pota"/>
+        <a:font script="Mong" typeface="Mongolian Baiti"/>
+        <a:font script="Viet" typeface="Arial"/>
+        <a:font script="Uigh" typeface="Microsoft Uighur"/>
+        <a:font script="Geor" typeface="Sylfaen"/>
+      </a:minorFont>
+    </a:fontScheme>
+    <a:fmtScheme name="Office">
+      <a:fillStyleLst>
+        <a:solidFill>
+          <a:schemeClr val="phClr"/>
+        </a:solidFill>
+        <a:gradFill rotWithShape="1">
+          <a:gsLst>
+            <a:gs pos="0">
+              <a:schemeClr val="phClr">
+                <a:lumMod val="110000"/>
+                <a:satMod val="105000"/>
+                <a:tint val="67000"/>
+              </a:schemeClr>
+            </a:gs>
+            <a:gs pos="50000">
+              <a:schemeClr val="phClr">
+                <a:lumMod val="105000"/>
+                <a:satMod val="103000"/>
+                <a:tint val="73000"/>
+              </a:schemeClr>
+            </a:gs>
+            <a:gs pos="100000">
+              <a:schemeClr val="phClr">
+                <a:lumMod val="105000"/>
+                <a:satMod val="109000"/>
+                <a:tint val="81000"/>
+              </a:schemeClr>
+            </a:gs>
+          </a:gsLst>
+          <a:lin ang="5400000" scaled="0"/>
+        </a:gradFill>
+        <a:gradFill rotWithShape="1">
+          <a:gsLst>
+            <a:gs pos="0">
+              <a:schemeClr val="phClr">
+                <a:satMod val="103000"/>
+                <a:lumMod val="102000"/>
+                <a:tint val="94000"/>
+              </a:schemeClr>
+            </a:gs>
+            <a:gs pos="50000">
+              <a:schemeClr val="phClr">
+                <a:satMod val="110000"/>
+                <a:lumMod val="100000"/>
+                <a:shade val="100000"/>
+              </a:schemeClr>
+            </a:gs>
+            <a:gs pos="100000">
+              <a:schemeClr val="phClr">
+                <a:lumMod val="99000"/>
+                <a:satMod val="120000"/>
+                <a:shade val="78000"/>
+              </a:schemeClr>
+            </a:gs>
+          </a:gsLst>
+          <a:lin ang="5400000" scaled="0"/>
+        </a:gradFill>
+      </a:fillStyleLst>
+      <a:lnStyleLst>
+        <a:ln w="6350" cap="flat" cmpd="sng" algn="ctr">
+          <a:solidFill>
+            <a:schemeClr val="phClr"/>
+          </a:solidFill>
+          <a:prstDash val="solid"/>
+          <a:miter lim="800000"/>
+        </a:ln>
+        <a:ln w="12700" cap="flat" cmpd="sng" algn="ctr">
+          <a:solidFill>
+            <a:schemeClr val="phClr"/>
+          </a:solidFill>
+          <a:prstDash val="solid"/>
+          <a:miter lim="800000"/>
+        </a:ln>
+        <a:ln w="19050" cap="flat" cmpd="sng" algn="ctr">
+          <a:solidFill>
+            <a:schemeClr val="phClr"/>
+          </a:solidFill>
+          <a:prstDash val="solid"/>
+          <a:miter lim="800000"/>
+        </a:ln>
+      </a:lnStyleLst>
+      <a:effectStyleLst>
+        <a:effectStyle>
+          <a:effectLst/>
+        </a:effectStyle>
+        <a:effectStyle>
+          <a:effectLst/>
+        </a:effectStyle>
+        <a:effectStyle>
+          <a:effectLst>
+            <a:outerShdw blurRad="57150" dist="19050" dir="5400000" algn="ctr" rotWithShape="0">
+              <a:srgbClr val="000000">
+                <a:alpha val="63000"/>
+              </a:srgbClr>
+            </a:outerShdw>
+          </a:effectLst>
+        </a:effectStyle>
+      </a:effectStyleLst>
+      <a:bgFillStyleLst>
+        <a:solidFill>
+          <a:schemeClr val="phClr"/>
+        </a:solidFill>
+        <a:solidFill>
+          <a:schemeClr val="phClr">
+            <a:tint val="95000"/>
+            <a:satMod val="170000"/>
+          </a:schemeClr>
+        </a:solidFill>
+        <a:gradFill rotWithShape="1">
+          <a:gsLst>
+            <a:gs pos="0">
+              <a:schemeClr val="phClr">
+                <a:tint val="93000"/>
+                <a:satMod val="150000"/>
+                <a:shade val="98000"/>
+                <a:lumMod val="102000"/>
+              </a:schemeClr>
+            </a:gs>
+            <a:gs pos="50000">
+              <a:schemeClr val="phClr">
+                <a:tint val="98000"/>
+                <a:satMod val="130000"/>
+                <a:shade val="90000"/>
+                <a:lumMod val="103000"/>
+              </a:schemeClr>
+            </a:gs>
+            <a:gs pos="100000">
+              <a:schemeClr val="phClr">
+                <a:shade val="63000"/>
+                <a:satMod val="120000"/>
+              </a:schemeClr>
+            </a:gs>
+          </a:gsLst>
+          <a:lin ang="5400000" scaled="0"/>
+        </a:gradFill>
+      </a:bgFillStyleLst>
+    </a:fmtScheme>
+  </a:themeElements>
+  <a:objectDefaults/>
+  <a:extraClrSchemeLst/>
+  <a:extLst>
+    <a:ext uri="{05A4C25C-085E-4340-85A3-A5531E510DB2}">
+      <thm15:themeFamily xmlns:thm15="http://schemas.microsoft.com/office/thememl/2012/main" name="Office Theme" id="{62F939B6-93AF-4DB8-9C6B-D6C7DFDC589F}" vid="{4A3C46E8-61CC-4603-A589-7422A47A8E4A}"/>
+    </a:ext>
+  </a:extLst>
+</a:theme>
 </file>
--- a/Other_Files/Presentations/Final-Project.pptx
+++ b/Other_Files/Presentations/Final-Project.pptx
@@ -2272,7 +2272,7 @@
         <a:p>
           <a:pPr latinLnBrk="1"/>
           <a:r>
-            <a:rPr lang="en-US" altLang="ko-KR" smtClean="0"/>
+            <a:rPr lang="en-US" altLang="ko-KR" dirty="0" smtClean="0"/>
             <a:t>Negative</a:t>
           </a:r>
         </a:p>
@@ -3217,7 +3217,7 @@
             </a:spcAft>
           </a:pPr>
           <a:r>
-            <a:rPr lang="en-US" altLang="ko-KR" sz="1700" kern="1200" smtClean="0"/>
+            <a:rPr lang="en-US" altLang="ko-KR" sz="1700" kern="1200" dirty="0" smtClean="0"/>
             <a:t>Negative</a:t>
           </a:r>
         </a:p>
@@ -6654,22 +6654,6 @@
           <a:bodyPr/>
           <a:lstStyle/>
           <a:p>
-            <a:r>
-              <a:rPr kumimoji="1" lang="en-US" altLang="ko-KR" dirty="0" smtClean="0"/>
-              <a:t>Using</a:t>
-            </a:r>
-            <a:r>
-              <a:rPr kumimoji="1" lang="en-US" altLang="ko-KR" baseline="0" dirty="0" smtClean="0"/>
-              <a:t> </a:t>
-            </a:r>
-            <a:r>
-              <a:rPr kumimoji="1" lang="en-US" altLang="ko-KR" baseline="0" dirty="0" err="1" smtClean="0"/>
-              <a:t>OpenCV</a:t>
-            </a:r>
-            <a:r>
-              <a:rPr kumimoji="1" lang="en-US" altLang="ko-KR" baseline="0" dirty="0" smtClean="0"/>
-              <a:t> to detect images </a:t>
-            </a:r>
             <a:endParaRPr kumimoji="1" lang="ko-KR" altLang="en-US" dirty="0"/>
           </a:p>
         </p:txBody>
@@ -6701,6 +6685,314 @@
     <p:extLst>
       <p:ext uri="{BB962C8B-B14F-4D97-AF65-F5344CB8AC3E}">
         <p14:creationId xmlns:p14="http://schemas.microsoft.com/office/powerpoint/2010/main" val="763530035"/>
+      </p:ext>
+    </p:extLst>
+  </p:cSld>
+  <p:clrMapOvr>
+    <a:masterClrMapping/>
+  </p:clrMapOvr>
+</p:notes>
+</file>
+
+<file path=ppt/notesSlides/notesSlide5.xml><?xml version="1.0" encoding="utf-8"?>
+<p:notes xmlns:a="http://schemas.openxmlformats.org/drawingml/2006/main" xmlns:r="http://schemas.openxmlformats.org/officeDocument/2006/relationships" xmlns:p="http://schemas.openxmlformats.org/presentationml/2006/main">
+  <p:cSld>
+    <p:spTree>
+      <p:nvGrpSpPr>
+        <p:cNvPr id="1" name=""/>
+        <p:cNvGrpSpPr/>
+        <p:nvPr/>
+      </p:nvGrpSpPr>
+      <p:grpSpPr>
+        <a:xfrm>
+          <a:off x="0" y="0"/>
+          <a:ext cx="0" cy="0"/>
+          <a:chOff x="0" y="0"/>
+          <a:chExt cx="0" cy="0"/>
+        </a:xfrm>
+      </p:grpSpPr>
+      <p:sp>
+        <p:nvSpPr>
+          <p:cNvPr id="2" name="슬라이드 이미지 개체 틀 1"/>
+          <p:cNvSpPr>
+            <a:spLocks noGrp="1" noRot="1" noChangeAspect="1"/>
+          </p:cNvSpPr>
+          <p:nvPr>
+            <p:ph type="sldImg"/>
+          </p:nvPr>
+        </p:nvSpPr>
+        <p:spPr/>
+      </p:sp>
+      <p:sp>
+        <p:nvSpPr>
+          <p:cNvPr id="3" name="슬라이드 노트 개체 틀 2"/>
+          <p:cNvSpPr>
+            <a:spLocks noGrp="1"/>
+          </p:cNvSpPr>
+          <p:nvPr>
+            <p:ph type="body" idx="1"/>
+          </p:nvPr>
+        </p:nvSpPr>
+        <p:spPr/>
+        <p:txBody>
+          <a:bodyPr/>
+          <a:lstStyle/>
+          <a:p>
+            <a:endParaRPr kumimoji="1" lang="ko-KR" altLang="en-US" dirty="0"/>
+          </a:p>
+        </p:txBody>
+      </p:sp>
+      <p:sp>
+        <p:nvSpPr>
+          <p:cNvPr id="4" name="슬라이드 번호 개체 틀 3"/>
+          <p:cNvSpPr>
+            <a:spLocks noGrp="1"/>
+          </p:cNvSpPr>
+          <p:nvPr>
+            <p:ph type="sldNum" sz="quarter" idx="10"/>
+          </p:nvPr>
+        </p:nvSpPr>
+        <p:spPr/>
+        <p:txBody>
+          <a:bodyPr/>
+          <a:lstStyle/>
+          <a:p>
+            <a:fld id="{A70C26AD-80FC-CF4E-BA1F-B4B22B2D5712}" type="slidenum">
+              <a:rPr kumimoji="1" lang="ko-KR" altLang="en-US" smtClean="0"/>
+              <a:t>6</a:t>
+            </a:fld>
+            <a:endParaRPr kumimoji="1" lang="ko-KR" altLang="en-US"/>
+          </a:p>
+        </p:txBody>
+      </p:sp>
+    </p:spTree>
+    <p:extLst>
+      <p:ext uri="{BB962C8B-B14F-4D97-AF65-F5344CB8AC3E}">
+        <p14:creationId xmlns:p14="http://schemas.microsoft.com/office/powerpoint/2010/main" val="583875533"/>
+      </p:ext>
+    </p:extLst>
+  </p:cSld>
+  <p:clrMapOvr>
+    <a:masterClrMapping/>
+  </p:clrMapOvr>
+</p:notes>
+</file>
+
+<file path=ppt/notesSlides/notesSlide6.xml><?xml version="1.0" encoding="utf-8"?>
+<p:notes xmlns:a="http://schemas.openxmlformats.org/drawingml/2006/main" xmlns:r="http://schemas.openxmlformats.org/officeDocument/2006/relationships" xmlns:p="http://schemas.openxmlformats.org/presentationml/2006/main">
+  <p:cSld>
+    <p:spTree>
+      <p:nvGrpSpPr>
+        <p:cNvPr id="1" name=""/>
+        <p:cNvGrpSpPr/>
+        <p:nvPr/>
+      </p:nvGrpSpPr>
+      <p:grpSpPr>
+        <a:xfrm>
+          <a:off x="0" y="0"/>
+          <a:ext cx="0" cy="0"/>
+          <a:chOff x="0" y="0"/>
+          <a:chExt cx="0" cy="0"/>
+        </a:xfrm>
+      </p:grpSpPr>
+      <p:sp>
+        <p:nvSpPr>
+          <p:cNvPr id="2" name="슬라이드 이미지 개체 틀 1"/>
+          <p:cNvSpPr>
+            <a:spLocks noGrp="1" noRot="1" noChangeAspect="1"/>
+          </p:cNvSpPr>
+          <p:nvPr>
+            <p:ph type="sldImg"/>
+          </p:nvPr>
+        </p:nvSpPr>
+        <p:spPr/>
+      </p:sp>
+      <p:sp>
+        <p:nvSpPr>
+          <p:cNvPr id="3" name="슬라이드 노트 개체 틀 2"/>
+          <p:cNvSpPr>
+            <a:spLocks noGrp="1"/>
+          </p:cNvSpPr>
+          <p:nvPr>
+            <p:ph type="body" idx="1"/>
+          </p:nvPr>
+        </p:nvSpPr>
+        <p:spPr/>
+        <p:txBody>
+          <a:bodyPr/>
+          <a:lstStyle/>
+          <a:p>
+            <a:r>
+              <a:rPr kumimoji="1" lang="en-US" altLang="ko-KR" dirty="0" smtClean="0"/>
+              <a:t>Split</a:t>
+            </a:r>
+            <a:r>
+              <a:rPr kumimoji="1" lang="en-US" altLang="ko-KR" baseline="0" dirty="0" smtClean="0"/>
+              <a:t> the video into single frames </a:t>
+            </a:r>
+          </a:p>
+          <a:p>
+            <a:endParaRPr kumimoji="1" lang="en-US" altLang="ko-KR" baseline="0" dirty="0" smtClean="0"/>
+          </a:p>
+          <a:p>
+            <a:r>
+              <a:rPr kumimoji="1" lang="en-US" altLang="ko-KR" baseline="0" dirty="0" smtClean="0"/>
+              <a:t>Training the model to detect one single image using the positive and negative images </a:t>
+            </a:r>
+          </a:p>
+          <a:p>
+            <a:endParaRPr kumimoji="1" lang="en-US" altLang="ko-KR" baseline="0" dirty="0" smtClean="0"/>
+          </a:p>
+          <a:p>
+            <a:r>
+              <a:rPr kumimoji="1" lang="en-US" altLang="ko-KR" baseline="0" dirty="0" smtClean="0"/>
+              <a:t>Tracking the time using </a:t>
+            </a:r>
+            <a:r>
+              <a:rPr lang="en-US" altLang="ko-KR" dirty="0" smtClean="0"/>
+              <a:t>parallelization</a:t>
+            </a:r>
+            <a:endParaRPr kumimoji="1" lang="ko-KR" altLang="en-US" dirty="0"/>
+          </a:p>
+        </p:txBody>
+      </p:sp>
+      <p:sp>
+        <p:nvSpPr>
+          <p:cNvPr id="4" name="슬라이드 번호 개체 틀 3"/>
+          <p:cNvSpPr>
+            <a:spLocks noGrp="1"/>
+          </p:cNvSpPr>
+          <p:nvPr>
+            <p:ph type="sldNum" sz="quarter" idx="10"/>
+          </p:nvPr>
+        </p:nvSpPr>
+        <p:spPr/>
+        <p:txBody>
+          <a:bodyPr/>
+          <a:lstStyle/>
+          <a:p>
+            <a:fld id="{A70C26AD-80FC-CF4E-BA1F-B4B22B2D5712}" type="slidenum">
+              <a:rPr kumimoji="1" lang="ko-KR" altLang="en-US" smtClean="0"/>
+              <a:t>7</a:t>
+            </a:fld>
+            <a:endParaRPr kumimoji="1" lang="ko-KR" altLang="en-US"/>
+          </a:p>
+        </p:txBody>
+      </p:sp>
+    </p:spTree>
+    <p:extLst>
+      <p:ext uri="{BB962C8B-B14F-4D97-AF65-F5344CB8AC3E}">
+        <p14:creationId xmlns:p14="http://schemas.microsoft.com/office/powerpoint/2010/main" val="1356155399"/>
+      </p:ext>
+    </p:extLst>
+  </p:cSld>
+  <p:clrMapOvr>
+    <a:masterClrMapping/>
+  </p:clrMapOvr>
+</p:notes>
+</file>
+
+<file path=ppt/notesSlides/notesSlide7.xml><?xml version="1.0" encoding="utf-8"?>
+<p:notes xmlns:a="http://schemas.openxmlformats.org/drawingml/2006/main" xmlns:r="http://schemas.openxmlformats.org/officeDocument/2006/relationships" xmlns:p="http://schemas.openxmlformats.org/presentationml/2006/main">
+  <p:cSld>
+    <p:spTree>
+      <p:nvGrpSpPr>
+        <p:cNvPr id="1" name=""/>
+        <p:cNvGrpSpPr/>
+        <p:nvPr/>
+      </p:nvGrpSpPr>
+      <p:grpSpPr>
+        <a:xfrm>
+          <a:off x="0" y="0"/>
+          <a:ext cx="0" cy="0"/>
+          <a:chOff x="0" y="0"/>
+          <a:chExt cx="0" cy="0"/>
+        </a:xfrm>
+      </p:grpSpPr>
+      <p:sp>
+        <p:nvSpPr>
+          <p:cNvPr id="2" name="슬라이드 이미지 개체 틀 1"/>
+          <p:cNvSpPr>
+            <a:spLocks noGrp="1" noRot="1" noChangeAspect="1"/>
+          </p:cNvSpPr>
+          <p:nvPr>
+            <p:ph type="sldImg"/>
+          </p:nvPr>
+        </p:nvSpPr>
+        <p:spPr/>
+      </p:sp>
+      <p:sp>
+        <p:nvSpPr>
+          <p:cNvPr id="3" name="슬라이드 노트 개체 틀 2"/>
+          <p:cNvSpPr>
+            <a:spLocks noGrp="1"/>
+          </p:cNvSpPr>
+          <p:nvPr>
+            <p:ph type="body" idx="1"/>
+          </p:nvPr>
+        </p:nvSpPr>
+        <p:spPr/>
+        <p:txBody>
+          <a:bodyPr/>
+          <a:lstStyle/>
+          <a:p>
+            <a:r>
+              <a:rPr kumimoji="1" lang="en-US" altLang="ko-KR" dirty="0" smtClean="0"/>
+              <a:t>Detect</a:t>
+            </a:r>
+            <a:r>
+              <a:rPr kumimoji="1" lang="en-US" altLang="ko-KR" baseline="0" dirty="0" smtClean="0"/>
+              <a:t> not only images but also object from the video</a:t>
+            </a:r>
+          </a:p>
+          <a:p>
+            <a:endParaRPr kumimoji="1" lang="en-US" altLang="ko-KR" baseline="0" dirty="0" smtClean="0"/>
+          </a:p>
+          <a:p>
+            <a:r>
+              <a:rPr kumimoji="1" lang="en-US" altLang="ko-KR" baseline="0" dirty="0" smtClean="0"/>
+              <a:t>Trying to make it into mobile application so we can use the camera right away to detect the object </a:t>
+            </a:r>
+          </a:p>
+          <a:p>
+            <a:endParaRPr kumimoji="1" lang="en-US" altLang="ko-KR" baseline="0" dirty="0" smtClean="0"/>
+          </a:p>
+          <a:p>
+            <a:r>
+              <a:rPr kumimoji="1" lang="en-US" altLang="ko-KR" baseline="0" dirty="0" smtClean="0"/>
+              <a:t>Detecting more than one images at the same time </a:t>
+            </a:r>
+            <a:endParaRPr kumimoji="1" lang="ko-KR" altLang="en-US" dirty="0"/>
+          </a:p>
+        </p:txBody>
+      </p:sp>
+      <p:sp>
+        <p:nvSpPr>
+          <p:cNvPr id="4" name="슬라이드 번호 개체 틀 3"/>
+          <p:cNvSpPr>
+            <a:spLocks noGrp="1"/>
+          </p:cNvSpPr>
+          <p:nvPr>
+            <p:ph type="sldNum" sz="quarter" idx="10"/>
+          </p:nvPr>
+        </p:nvSpPr>
+        <p:spPr/>
+        <p:txBody>
+          <a:bodyPr/>
+          <a:lstStyle/>
+          <a:p>
+            <a:fld id="{A70C26AD-80FC-CF4E-BA1F-B4B22B2D5712}" type="slidenum">
+              <a:rPr kumimoji="1" lang="ko-KR" altLang="en-US" smtClean="0"/>
+              <a:t>8</a:t>
+            </a:fld>
+            <a:endParaRPr kumimoji="1" lang="ko-KR" altLang="en-US"/>
+          </a:p>
+        </p:txBody>
+      </p:sp>
+    </p:spTree>
+    <p:extLst>
+      <p:ext uri="{BB962C8B-B14F-4D97-AF65-F5344CB8AC3E}">
+        <p14:creationId xmlns:p14="http://schemas.microsoft.com/office/powerpoint/2010/main" val="451569425"/>
       </p:ext>
     </p:extLst>
   </p:cSld>
@@ -12975,6 +13267,13 @@
   <p:clrMapOvr>
     <a:masterClrMapping/>
   </p:clrMapOvr>
+  <p:timing>
+    <p:tnLst>
+      <p:par>
+        <p:cTn id="1" dur="indefinite" restart="never" nodeType="tmRoot"/>
+      </p:par>
+    </p:tnLst>
+  </p:timing>
 </p:sld>
 </file>
 
@@ -13039,7 +13338,7 @@
           </p:nvPr>
         </p:nvPicPr>
         <p:blipFill>
-          <a:blip r:embed="rId2">
+          <a:blip r:embed="rId3">
             <a:extLst>
               <a:ext uri="{28A0092B-C50C-407E-A947-70E740481C1C}">
                 <a14:useLocalDpi xmlns:a14="http://schemas.microsoft.com/office/drawing/2010/main" val="0"/>
@@ -13142,7 +13441,9 @@
         </p:nvSpPr>
         <p:spPr/>
         <p:txBody>
-          <a:bodyPr/>
+          <a:bodyPr>
+            <a:noAutofit/>
+          </a:bodyPr>
           <a:lstStyle/>
           <a:p>
             <a:pPr>
@@ -13151,8 +13452,12 @@
               </a:lnSpc>
             </a:pPr>
             <a:r>
-              <a:rPr kumimoji="1" lang="en-US" altLang="ko-KR" dirty="0" smtClean="0"/>
-              <a:t>Detecting one object from input video </a:t>
+              <a:rPr kumimoji="1" lang="en-US" altLang="ko-KR" sz="3600" dirty="0"/>
+              <a:t>Splitting the </a:t>
+            </a:r>
+            <a:r>
+              <a:rPr kumimoji="1" lang="en-US" altLang="ko-KR" sz="3600" dirty="0" smtClean="0"/>
+              <a:t>video</a:t>
             </a:r>
           </a:p>
           <a:p>
@@ -13162,8 +13467,16 @@
               </a:lnSpc>
             </a:pPr>
             <a:r>
-              <a:rPr kumimoji="1" lang="en-US" altLang="ko-KR" dirty="0" smtClean="0"/>
-              <a:t>Record the time</a:t>
+              <a:rPr kumimoji="1" lang="en-US" altLang="ko-KR" sz="3600" dirty="0" smtClean="0"/>
+              <a:t>Training </a:t>
+            </a:r>
+            <a:r>
+              <a:rPr kumimoji="1" lang="en-US" altLang="ko-KR" sz="3600" dirty="0"/>
+              <a:t>the </a:t>
+            </a:r>
+            <a:r>
+              <a:rPr kumimoji="1" lang="en-US" altLang="ko-KR" sz="3600" dirty="0" smtClean="0"/>
+              <a:t>model</a:t>
             </a:r>
           </a:p>
           <a:p>
@@ -13173,10 +13486,17 @@
               </a:lnSpc>
             </a:pPr>
             <a:r>
-              <a:rPr kumimoji="1" lang="en-US" altLang="ko-KR" dirty="0" smtClean="0"/>
-              <a:t>Display the output </a:t>
-            </a:r>
-            <a:endParaRPr kumimoji="1" lang="ko-KR" altLang="en-US" dirty="0"/>
+              <a:rPr kumimoji="1" lang="en-US" altLang="ko-KR" sz="3600" dirty="0" smtClean="0"/>
+              <a:t>Tracking </a:t>
+            </a:r>
+            <a:r>
+              <a:rPr kumimoji="1" lang="en-US" altLang="ko-KR" sz="3600" dirty="0"/>
+              <a:t>the time </a:t>
+            </a:r>
+            <a:br>
+              <a:rPr kumimoji="1" lang="en-US" altLang="ko-KR" sz="3600" dirty="0"/>
+            </a:br>
+            <a:endParaRPr kumimoji="1" lang="en-US" altLang="ko-KR" sz="3600" dirty="0"/>
           </a:p>
         </p:txBody>
       </p:sp>
@@ -13262,7 +13582,9 @@
         </p:nvSpPr>
         <p:spPr/>
         <p:txBody>
-          <a:bodyPr/>
+          <a:bodyPr>
+            <a:normAutofit/>
+          </a:bodyPr>
           <a:lstStyle/>
           <a:p>
             <a:pPr>
@@ -13271,8 +13593,12 @@
               </a:lnSpc>
             </a:pPr>
             <a:r>
-              <a:rPr kumimoji="1" lang="en-US" altLang="ko-KR" dirty="0" smtClean="0"/>
-              <a:t>Find different types of object at the same time </a:t>
+              <a:rPr kumimoji="1" lang="en-US" altLang="ko-KR" sz="2800" dirty="0"/>
+              <a:t>Detect a static image/object from a </a:t>
+            </a:r>
+            <a:r>
+              <a:rPr kumimoji="1" lang="en-US" altLang="ko-KR" sz="2800" dirty="0" smtClean="0"/>
+              <a:t>video</a:t>
             </a:r>
           </a:p>
           <a:p>
@@ -13282,8 +13608,12 @@
               </a:lnSpc>
             </a:pPr>
             <a:r>
-              <a:rPr kumimoji="1" lang="en-US" altLang="ko-KR" dirty="0" smtClean="0"/>
-              <a:t>Detecting all similar types of object with one input image </a:t>
+              <a:rPr kumimoji="1" lang="en-US" altLang="ko-KR" sz="2800" dirty="0" smtClean="0"/>
+              <a:t>Make </a:t>
+            </a:r>
+            <a:r>
+              <a:rPr kumimoji="1" lang="en-US" altLang="ko-KR" sz="2800" dirty="0"/>
+              <a:t>it into mobile application to access more conveniently</a:t>
             </a:r>
           </a:p>
           <a:p>
@@ -13293,9 +13623,25 @@
               </a:lnSpc>
             </a:pPr>
             <a:r>
-              <a:rPr kumimoji="1" lang="en-US" altLang="ko-KR" dirty="0" smtClean="0"/>
-              <a:t>Recognize the object automatically </a:t>
-            </a:r>
+              <a:rPr kumimoji="1" lang="en-US" altLang="ko-KR" sz="2800" dirty="0"/>
+              <a:t>Make it accessible to the mobile camera to detect the </a:t>
+            </a:r>
+            <a:r>
+              <a:rPr kumimoji="1" lang="en-US" altLang="ko-KR" sz="2800" dirty="0" smtClean="0"/>
+              <a:t>object</a:t>
+            </a:r>
+          </a:p>
+          <a:p>
+            <a:pPr>
+              <a:lnSpc>
+                <a:spcPct val="200000"/>
+              </a:lnSpc>
+            </a:pPr>
+            <a:r>
+              <a:rPr kumimoji="1" lang="en-US" altLang="ko-KR" sz="2800" dirty="0" smtClean="0"/>
+              <a:t>Detecting more images at the same time </a:t>
+            </a:r>
+            <a:endParaRPr kumimoji="1" lang="en-US" altLang="ko-KR" sz="2800" dirty="0"/>
           </a:p>
         </p:txBody>
       </p:sp>
@@ -13379,140 +13725,272 @@
             <p:ph idx="1"/>
           </p:nvPr>
         </p:nvSpPr>
-        <p:spPr/>
+        <p:spPr>
+          <a:xfrm>
+            <a:off x="685800" y="1860884"/>
+            <a:ext cx="10820400" cy="4812631"/>
+          </a:xfrm>
+        </p:spPr>
         <p:txBody>
           <a:bodyPr numCol="2">
-            <a:normAutofit/>
+            <a:normAutofit fontScale="85000" lnSpcReduction="20000"/>
           </a:bodyPr>
           <a:lstStyle/>
           <a:p>
-            <a:r>
-              <a:rPr kumimoji="1" lang="en-US" altLang="ko-KR" dirty="0" smtClean="0"/>
+            <a:pPr>
+              <a:lnSpc>
+                <a:spcPct val="120000"/>
+              </a:lnSpc>
+            </a:pPr>
+            <a:r>
+              <a:rPr kumimoji="1" lang="en-US" altLang="ko-KR" sz="2400" dirty="0" smtClean="0"/>
               <a:t>Week 5</a:t>
             </a:r>
           </a:p>
           <a:p>
             <a:pPr marL="685800" lvl="2">
+              <a:lnSpc>
+                <a:spcPct val="120000"/>
+              </a:lnSpc>
               <a:spcBef>
                 <a:spcPts val="1000"/>
               </a:spcBef>
             </a:pPr>
             <a:r>
-              <a:rPr kumimoji="1" lang="en-US" altLang="ko-KR" dirty="0"/>
-              <a:t>Decide the </a:t>
-            </a:r>
-            <a:r>
-              <a:rPr kumimoji="1" lang="en-US" altLang="ko-KR" dirty="0" smtClean="0"/>
+              <a:rPr kumimoji="1" lang="en-US" altLang="ko-KR" sz="2400" dirty="0" smtClean="0"/>
+              <a:t>Decide </a:t>
+            </a:r>
+            <a:r>
+              <a:rPr kumimoji="1" lang="en-US" altLang="ko-KR" sz="2400" dirty="0"/>
+              <a:t>the </a:t>
+            </a:r>
+            <a:r>
+              <a:rPr kumimoji="1" lang="en-US" altLang="ko-KR" sz="2400" dirty="0" smtClean="0"/>
               <a:t>team</a:t>
             </a:r>
           </a:p>
           <a:p>
             <a:pPr marL="685800" lvl="2">
+              <a:lnSpc>
+                <a:spcPct val="120000"/>
+              </a:lnSpc>
               <a:spcBef>
                 <a:spcPts val="1000"/>
               </a:spcBef>
             </a:pPr>
-            <a:endParaRPr kumimoji="1" lang="en-US" altLang="ko-KR" dirty="0" smtClean="0"/>
-          </a:p>
-          <a:p>
-            <a:r>
-              <a:rPr kumimoji="1" lang="en-US" altLang="ko-KR" dirty="0" smtClean="0"/>
+            <a:endParaRPr kumimoji="1" lang="en-US" altLang="ko-KR" sz="2400" dirty="0" smtClean="0"/>
+          </a:p>
+          <a:p>
+            <a:pPr>
+              <a:lnSpc>
+                <a:spcPct val="120000"/>
+              </a:lnSpc>
+            </a:pPr>
+            <a:r>
+              <a:rPr kumimoji="1" lang="en-US" altLang="ko-KR" sz="2400" dirty="0" smtClean="0"/>
               <a:t>Week 6</a:t>
             </a:r>
           </a:p>
           <a:p>
-            <a:pPr lvl="1"/>
-            <a:r>
-              <a:rPr kumimoji="1" lang="en-US" altLang="ko-KR" dirty="0" smtClean="0"/>
+            <a:pPr lvl="1">
+              <a:lnSpc>
+                <a:spcPct val="120000"/>
+              </a:lnSpc>
+            </a:pPr>
+            <a:r>
+              <a:rPr kumimoji="1" lang="en-US" altLang="ko-KR" sz="2400" dirty="0" smtClean="0"/>
               <a:t>Initial proposal </a:t>
             </a:r>
           </a:p>
           <a:p>
-            <a:pPr lvl="1"/>
-            <a:r>
-              <a:rPr kumimoji="1" lang="en-US" altLang="ko-KR" dirty="0" smtClean="0"/>
+            <a:pPr lvl="1">
+              <a:lnSpc>
+                <a:spcPct val="120000"/>
+              </a:lnSpc>
+            </a:pPr>
+            <a:r>
+              <a:rPr kumimoji="1" lang="en-US" altLang="ko-KR" sz="2400" dirty="0" smtClean="0"/>
               <a:t>Research</a:t>
             </a:r>
           </a:p>
           <a:p>
-            <a:pPr lvl="1"/>
-            <a:endParaRPr kumimoji="1" lang="en-US" altLang="ko-KR" dirty="0" smtClean="0"/>
-          </a:p>
-          <a:p>
-            <a:r>
-              <a:rPr kumimoji="1" lang="en-US" altLang="ko-KR" dirty="0" smtClean="0"/>
+            <a:pPr lvl="1">
+              <a:lnSpc>
+                <a:spcPct val="120000"/>
+              </a:lnSpc>
+            </a:pPr>
+            <a:endParaRPr kumimoji="1" lang="en-US" altLang="ko-KR" sz="2400" dirty="0" smtClean="0"/>
+          </a:p>
+          <a:p>
+            <a:pPr>
+              <a:lnSpc>
+                <a:spcPct val="120000"/>
+              </a:lnSpc>
+            </a:pPr>
+            <a:r>
+              <a:rPr kumimoji="1" lang="en-US" altLang="ko-KR" sz="2400" dirty="0" smtClean="0"/>
               <a:t>Week 7</a:t>
             </a:r>
           </a:p>
           <a:p>
-            <a:pPr lvl="1"/>
-            <a:r>
-              <a:rPr kumimoji="1" lang="en-US" altLang="ko-KR" dirty="0"/>
-              <a:t>?</a:t>
-            </a:r>
-            <a:endParaRPr kumimoji="1" lang="en-US" altLang="ko-KR" dirty="0" smtClean="0"/>
-          </a:p>
-          <a:p>
-            <a:r>
-              <a:rPr kumimoji="1" lang="en-US" altLang="ko-KR" dirty="0" smtClean="0"/>
-              <a:t>Week 8</a:t>
-            </a:r>
-          </a:p>
-          <a:p>
-            <a:pPr lvl="1"/>
-            <a:r>
-              <a:rPr kumimoji="1" lang="en-US" altLang="ko-KR" dirty="0" smtClean="0"/>
-              <a:t>Interim status meeting </a:t>
-            </a:r>
-          </a:p>
-          <a:p>
-            <a:pPr lvl="1"/>
-            <a:endParaRPr kumimoji="1" lang="en-US" altLang="ko-KR" dirty="0" smtClean="0"/>
-          </a:p>
-          <a:p>
-            <a:r>
-              <a:rPr kumimoji="1" lang="en-US" altLang="ko-KR" dirty="0" smtClean="0"/>
+            <a:pPr lvl="1">
+              <a:lnSpc>
+                <a:spcPct val="120000"/>
+              </a:lnSpc>
+            </a:pPr>
+            <a:r>
+              <a:rPr kumimoji="1" lang="en-US" altLang="ko-KR" sz="2400" dirty="0" smtClean="0"/>
+              <a:t>Start working project</a:t>
+            </a:r>
+            <a:endParaRPr kumimoji="1" lang="en-US" altLang="ko-KR" sz="2400" dirty="0"/>
+          </a:p>
+          <a:p>
+            <a:pPr lvl="1">
+              <a:lnSpc>
+                <a:spcPct val="120000"/>
+              </a:lnSpc>
+            </a:pPr>
+            <a:endParaRPr kumimoji="1" lang="en-US" altLang="ko-KR" sz="2400" dirty="0" smtClean="0"/>
+          </a:p>
+          <a:p>
+            <a:pPr lvl="1">
+              <a:lnSpc>
+                <a:spcPct val="120000"/>
+              </a:lnSpc>
+            </a:pPr>
+            <a:endParaRPr kumimoji="1" lang="en-US" altLang="ko-KR" sz="2400" dirty="0" smtClean="0"/>
+          </a:p>
+          <a:p>
+            <a:pPr lvl="1">
+              <a:lnSpc>
+                <a:spcPct val="120000"/>
+              </a:lnSpc>
+            </a:pPr>
+            <a:endParaRPr kumimoji="1" lang="en-US" altLang="ko-KR" sz="2400" dirty="0"/>
+          </a:p>
+          <a:p>
+            <a:pPr>
+              <a:lnSpc>
+                <a:spcPct val="120000"/>
+              </a:lnSpc>
+            </a:pPr>
+            <a:r>
+              <a:rPr kumimoji="1" lang="en-US" altLang="ko-KR" sz="2400" dirty="0" smtClean="0"/>
+              <a:t>Week </a:t>
+            </a:r>
+            <a:r>
+              <a:rPr kumimoji="1" lang="en-US" altLang="ko-KR" sz="2400" dirty="0" smtClean="0"/>
+              <a:t>8</a:t>
+            </a:r>
+          </a:p>
+          <a:p>
+            <a:pPr lvl="1">
+              <a:lnSpc>
+                <a:spcPct val="120000"/>
+              </a:lnSpc>
+            </a:pPr>
+            <a:r>
+              <a:rPr kumimoji="1" lang="en-US" altLang="ko-KR" sz="2400" dirty="0" smtClean="0"/>
+              <a:t>Interim status </a:t>
+            </a:r>
+            <a:r>
+              <a:rPr kumimoji="1" lang="en-US" altLang="ko-KR" sz="2400" dirty="0" smtClean="0"/>
+              <a:t>report</a:t>
+            </a:r>
+            <a:endParaRPr kumimoji="1" lang="en-US" altLang="ko-KR" sz="2400" dirty="0" smtClean="0"/>
+          </a:p>
+          <a:p>
+            <a:pPr lvl="1">
+              <a:lnSpc>
+                <a:spcPct val="120000"/>
+              </a:lnSpc>
+            </a:pPr>
+            <a:endParaRPr kumimoji="1" lang="en-US" altLang="ko-KR" sz="2400" dirty="0" smtClean="0"/>
+          </a:p>
+          <a:p>
+            <a:pPr>
+              <a:lnSpc>
+                <a:spcPct val="120000"/>
+              </a:lnSpc>
+            </a:pPr>
+            <a:r>
+              <a:rPr kumimoji="1" lang="en-US" altLang="ko-KR" sz="2400" dirty="0" smtClean="0"/>
               <a:t>Week 9</a:t>
             </a:r>
           </a:p>
           <a:p>
-            <a:pPr lvl="1"/>
-            <a:r>
-              <a:rPr kumimoji="1" lang="en-US" altLang="ko-KR" dirty="0" smtClean="0"/>
-              <a:t> ?</a:t>
-            </a:r>
-          </a:p>
-          <a:p>
-            <a:pPr lvl="1"/>
-            <a:endParaRPr kumimoji="1" lang="en-US" altLang="ko-KR" dirty="0" smtClean="0"/>
-          </a:p>
-          <a:p>
-            <a:r>
-              <a:rPr kumimoji="1" lang="en-US" altLang="ko-KR" dirty="0" smtClean="0"/>
+            <a:pPr lvl="1">
+              <a:lnSpc>
+                <a:spcPct val="120000"/>
+              </a:lnSpc>
+            </a:pPr>
+            <a:r>
+              <a:rPr kumimoji="1" lang="en-US" altLang="ko-KR" sz="2400" dirty="0" smtClean="0"/>
+              <a:t> </a:t>
+            </a:r>
+            <a:r>
+              <a:rPr kumimoji="1" lang="en-US" altLang="ko-KR" sz="2400" dirty="0" smtClean="0"/>
+              <a:t>Finishing up MVP</a:t>
+            </a:r>
+            <a:endParaRPr kumimoji="1" lang="en-US" altLang="ko-KR" sz="2400" dirty="0" smtClean="0"/>
+          </a:p>
+          <a:p>
+            <a:pPr lvl="1">
+              <a:lnSpc>
+                <a:spcPct val="120000"/>
+              </a:lnSpc>
+            </a:pPr>
+            <a:endParaRPr kumimoji="1" lang="en-US" altLang="ko-KR" sz="2400" dirty="0" smtClean="0"/>
+          </a:p>
+          <a:p>
+            <a:pPr>
+              <a:lnSpc>
+                <a:spcPct val="120000"/>
+              </a:lnSpc>
+            </a:pPr>
+            <a:r>
+              <a:rPr kumimoji="1" lang="en-US" altLang="ko-KR" sz="2400" dirty="0" smtClean="0"/>
               <a:t>Week 10</a:t>
             </a:r>
           </a:p>
           <a:p>
-            <a:pPr lvl="1"/>
-            <a:r>
-              <a:rPr kumimoji="1" lang="en-US" altLang="ko-KR" dirty="0" smtClean="0"/>
+            <a:pPr lvl="1">
+              <a:lnSpc>
+                <a:spcPct val="120000"/>
+              </a:lnSpc>
+            </a:pPr>
+            <a:r>
+              <a:rPr kumimoji="1" lang="en-US" altLang="ko-KR" sz="2400" dirty="0" smtClean="0"/>
               <a:t>Final presentation and demonstration </a:t>
             </a:r>
           </a:p>
           <a:p>
-            <a:pPr lvl="1"/>
-            <a:endParaRPr kumimoji="1" lang="en-US" altLang="ko-KR" dirty="0" smtClean="0"/>
-          </a:p>
-          <a:p>
-            <a:r>
-              <a:rPr kumimoji="1" lang="en-US" altLang="ko-KR" dirty="0" smtClean="0"/>
+            <a:pPr lvl="1">
+              <a:lnSpc>
+                <a:spcPct val="120000"/>
+              </a:lnSpc>
+            </a:pPr>
+            <a:endParaRPr kumimoji="1" lang="en-US" altLang="ko-KR" sz="2400" dirty="0" smtClean="0"/>
+          </a:p>
+          <a:p>
+            <a:pPr>
+              <a:lnSpc>
+                <a:spcPct val="120000"/>
+              </a:lnSpc>
+            </a:pPr>
+            <a:r>
+              <a:rPr kumimoji="1" lang="en-US" altLang="ko-KR" sz="2400" dirty="0" smtClean="0"/>
               <a:t>Week 11</a:t>
             </a:r>
           </a:p>
           <a:p>
-            <a:pPr lvl="1"/>
-            <a:r>
-              <a:rPr kumimoji="1" lang="en-US" altLang="ko-KR" dirty="0" smtClean="0"/>
+            <a:pPr lvl="1">
+              <a:lnSpc>
+                <a:spcPct val="120000"/>
+              </a:lnSpc>
+            </a:pPr>
+            <a:r>
+              <a:rPr kumimoji="1" lang="en-US" altLang="ko-KR" sz="2400" dirty="0" smtClean="0"/>
               <a:t>Final report </a:t>
             </a:r>
           </a:p>
